--- a/lecture-slides/Behavioral_command_memento.pptx
+++ b/lecture-slides/Behavioral_command_memento.pptx
@@ -5,10 +5,10 @@
     <p:sldMasterId id="2147483660" r:id="rId1"/>
   </p:sldMasterIdLst>
   <p:notesMasterIdLst>
-    <p:notesMasterId r:id="rId70"/>
+    <p:notesMasterId r:id="rId71"/>
   </p:notesMasterIdLst>
   <p:handoutMasterIdLst>
-    <p:handoutMasterId r:id="rId71"/>
+    <p:handoutMasterId r:id="rId72"/>
   </p:handoutMasterIdLst>
   <p:sldIdLst>
     <p:sldId id="256" r:id="rId2"/>
@@ -75,10 +75,11 @@
     <p:sldId id="422" r:id="rId63"/>
     <p:sldId id="355" r:id="rId64"/>
     <p:sldId id="516" r:id="rId65"/>
-    <p:sldId id="280" r:id="rId66"/>
-    <p:sldId id="511" r:id="rId67"/>
-    <p:sldId id="414" r:id="rId68"/>
-    <p:sldId id="512" r:id="rId69"/>
+    <p:sldId id="519" r:id="rId66"/>
+    <p:sldId id="280" r:id="rId67"/>
+    <p:sldId id="511" r:id="rId68"/>
+    <p:sldId id="414" r:id="rId69"/>
+    <p:sldId id="512" r:id="rId70"/>
   </p:sldIdLst>
   <p:sldSz cx="9144000" cy="6858000" type="screen4x3"/>
   <p:notesSz cx="6858000" cy="9144000"/>
@@ -2560,7 +2561,7 @@
               <a:pPr>
                 <a:defRPr/>
               </a:pPr>
-              <a:t>65</a:t>
+              <a:t>66</a:t>
             </a:fld>
             <a:endParaRPr lang="en-US" altLang="tr-TR"/>
           </a:p>
@@ -2657,7 +2658,7 @@
               <a:pPr>
                 <a:defRPr/>
               </a:pPr>
-              <a:t>67</a:t>
+              <a:t>68</a:t>
             </a:fld>
             <a:endParaRPr lang="en-US" altLang="tr-TR"/>
           </a:p>
@@ -10923,8 +10924,8 @@
         </p:nvSpPr>
         <p:spPr>
           <a:xfrm>
-            <a:off x="457199" y="1335088"/>
-            <a:ext cx="8602133" cy="4532312"/>
+            <a:off x="457200" y="1335088"/>
+            <a:ext cx="8362336" cy="4532312"/>
           </a:xfrm>
         </p:spPr>
         <p:txBody>
@@ -10938,23 +10939,13 @@
             </a:pPr>
             <a:r>
               <a:rPr lang="en-US" altLang="tr-TR" sz="2800" dirty="0"/>
-              <a:t>The Command pattern turns the request itself into an </a:t>
+              <a:t>Command pattern turns the request itself into an </a:t>
             </a:r>
             <a:r>
               <a:rPr lang="en-US" altLang="tr-TR" sz="2800" b="1" dirty="0"/>
               <a:t>object</a:t>
             </a:r>
-          </a:p>
-          <a:p>
-            <a:pPr lvl="1">
-              <a:lnSpc>
-                <a:spcPct val="110000"/>
-              </a:lnSpc>
-            </a:pPr>
-            <a:r>
-              <a:rPr lang="en-US" altLang="tr-TR" sz="2400" dirty="0"/>
-              <a:t>The object can be stored, passed, staged, shared, loaded in a table, ….</a:t>
-            </a:r>
+            <a:endParaRPr lang="en-US" altLang="tr-TR" sz="2400" dirty="0"/>
           </a:p>
           <a:p>
             <a:pPr>
@@ -10964,7 +10955,15 @@
             </a:pPr>
             <a:r>
               <a:rPr lang="en-US" altLang="tr-TR" sz="2800" dirty="0"/>
-              <a:t>Each concrete Command class specifies a receiver-action pair by storing the </a:t>
+              <a:t>Each concrete Command class specifies a </a:t>
+            </a:r>
+            <a:r>
+              <a:rPr lang="en-US" altLang="tr-TR" sz="2800" b="1" dirty="0"/>
+              <a:t>receiver-action</a:t>
+            </a:r>
+            <a:r>
+              <a:rPr lang="en-US" altLang="tr-TR" sz="2800" dirty="0"/>
+              <a:t> pair by storing the </a:t>
             </a:r>
             <a:r>
               <a:rPr lang="en-US" altLang="tr-TR" sz="2800" i="1" dirty="0"/>
@@ -11023,6 +11022,9 @@
             </a:pPr>
             <a:r>
               <a:rPr lang="en-US" altLang="tr-TR" sz="2400" dirty="0">
+                <a:solidFill>
+                  <a:schemeClr val="bg2"/>
+                </a:solidFill>
                 <a:latin typeface="Source Sans Pro" panose="020B0503030403020204" pitchFamily="34" charset="0"/>
                 <a:ea typeface="Source Sans Pro" panose="020B0503030403020204" pitchFamily="34" charset="0"/>
               </a:rPr>
@@ -11038,6 +11040,9 @@
             </a:pPr>
             <a:r>
               <a:rPr lang="en-US" altLang="tr-TR" sz="2400" dirty="0">
+                <a:solidFill>
+                  <a:schemeClr val="bg2"/>
+                </a:solidFill>
                 <a:latin typeface="Source Sans Pro" panose="020B0503030403020204" pitchFamily="34" charset="0"/>
                 <a:ea typeface="Source Sans Pro" panose="020B0503030403020204" pitchFamily="34" charset="0"/>
               </a:rPr>
@@ -11045,6 +11050,9 @@
             </a:r>
             <a:r>
               <a:rPr lang="en-US" altLang="tr-TR" sz="2400" i="1" dirty="0">
+                <a:solidFill>
+                  <a:schemeClr val="bg2"/>
+                </a:solidFill>
                 <a:latin typeface="Source Sans Pro" panose="020B0503030403020204" pitchFamily="34" charset="0"/>
                 <a:ea typeface="Source Sans Pro" panose="020B0503030403020204" pitchFamily="34" charset="0"/>
               </a:rPr>
@@ -11052,6 +11060,9 @@
             </a:r>
             <a:r>
               <a:rPr lang="en-US" altLang="tr-TR" sz="2400" dirty="0">
+                <a:solidFill>
+                  <a:schemeClr val="bg2"/>
+                </a:solidFill>
                 <a:latin typeface="Source Sans Pro" panose="020B0503030403020204" pitchFamily="34" charset="0"/>
                 <a:ea typeface="Source Sans Pro" panose="020B0503030403020204" pitchFamily="34" charset="0"/>
               </a:rPr>
@@ -11059,6 +11070,9 @@
             </a:r>
             <a:r>
               <a:rPr lang="en-US" altLang="tr-TR" sz="2400" i="1" dirty="0">
+                <a:solidFill>
+                  <a:schemeClr val="bg2"/>
+                </a:solidFill>
                 <a:latin typeface="Source Sans Pro" panose="020B0503030403020204" pitchFamily="34" charset="0"/>
                 <a:ea typeface="Source Sans Pro" panose="020B0503030403020204" pitchFamily="34" charset="0"/>
               </a:rPr>
@@ -11066,6 +11080,9 @@
             </a:r>
             <a:r>
               <a:rPr lang="en-US" altLang="tr-TR" sz="2400" dirty="0">
+                <a:solidFill>
+                  <a:schemeClr val="bg2"/>
+                </a:solidFill>
                 <a:latin typeface="Source Sans Pro" panose="020B0503030403020204" pitchFamily="34" charset="0"/>
                 <a:ea typeface="Source Sans Pro" panose="020B0503030403020204" pitchFamily="34" charset="0"/>
               </a:rPr>
@@ -11081,13 +11098,19 @@
             </a:pPr>
             <a:r>
               <a:rPr lang="en-US" altLang="tr-TR" sz="2400" dirty="0">
-                <a:latin typeface="Source Sans Pro" panose="020B0503030403020204" pitchFamily="34" charset="0"/>
-                <a:ea typeface="Source Sans Pro" panose="020B0503030403020204" pitchFamily="34" charset="0"/>
-              </a:rPr>
-              <a:t>               public void execute(){</a:t>
+                <a:solidFill>
+                  <a:schemeClr val="bg2"/>
+                </a:solidFill>
+                <a:latin typeface="Source Sans Pro" panose="020B0503030403020204" pitchFamily="34" charset="0"/>
+                <a:ea typeface="Source Sans Pro" panose="020B0503030403020204" pitchFamily="34" charset="0"/>
+              </a:rPr>
+              <a:t>               public void execute(){ </a:t>
             </a:r>
             <a:r>
               <a:rPr lang="en-US" altLang="tr-TR" sz="2400" i="1" dirty="0" err="1">
+                <a:solidFill>
+                  <a:schemeClr val="bg2"/>
+                </a:solidFill>
                 <a:latin typeface="Source Sans Pro" panose="020B0503030403020204" pitchFamily="34" charset="0"/>
                 <a:ea typeface="Source Sans Pro" panose="020B0503030403020204" pitchFamily="34" charset="0"/>
               </a:rPr>
@@ -11095,6 +11118,9 @@
             </a:r>
             <a:r>
               <a:rPr lang="en-US" altLang="tr-TR" sz="2400" dirty="0" err="1">
+                <a:solidFill>
+                  <a:schemeClr val="bg2"/>
+                </a:solidFill>
                 <a:latin typeface="Source Sans Pro" panose="020B0503030403020204" pitchFamily="34" charset="0"/>
                 <a:ea typeface="Source Sans Pro" panose="020B0503030403020204" pitchFamily="34" charset="0"/>
               </a:rPr>
@@ -11102,6 +11128,9 @@
             </a:r>
             <a:r>
               <a:rPr lang="en-US" altLang="tr-TR" sz="2400" b="1" dirty="0" err="1">
+                <a:solidFill>
+                  <a:schemeClr val="bg2"/>
+                </a:solidFill>
                 <a:latin typeface="Source Sans Pro" panose="020B0503030403020204" pitchFamily="34" charset="0"/>
                 <a:ea typeface="Source Sans Pro" panose="020B0503030403020204" pitchFamily="34" charset="0"/>
               </a:rPr>
@@ -11109,10 +11138,31 @@
             </a:r>
             <a:r>
               <a:rPr lang="en-US" altLang="tr-TR" sz="2400" dirty="0">
-                <a:latin typeface="Source Sans Pro" panose="020B0503030403020204" pitchFamily="34" charset="0"/>
-                <a:ea typeface="Source Sans Pro" panose="020B0503030403020204" pitchFamily="34" charset="0"/>
-              </a:rPr>
-              <a:t>();} }</a:t>
+                <a:solidFill>
+                  <a:schemeClr val="bg2"/>
+                </a:solidFill>
+                <a:latin typeface="Source Sans Pro" panose="020B0503030403020204" pitchFamily="34" charset="0"/>
+                <a:ea typeface="Source Sans Pro" panose="020B0503030403020204" pitchFamily="34" charset="0"/>
+              </a:rPr>
+              <a:t>();}</a:t>
+            </a:r>
+          </a:p>
+          <a:p>
+            <a:pPr marL="57150" indent="0">
+              <a:lnSpc>
+                <a:spcPct val="110000"/>
+              </a:lnSpc>
+              <a:buNone/>
+            </a:pPr>
+            <a:r>
+              <a:rPr lang="en-US" altLang="tr-TR" sz="2400" dirty="0">
+                <a:solidFill>
+                  <a:schemeClr val="bg2"/>
+                </a:solidFill>
+                <a:latin typeface="Source Sans Pro" panose="020B0503030403020204" pitchFamily="34" charset="0"/>
+                <a:ea typeface="Source Sans Pro" panose="020B0503030403020204" pitchFamily="34" charset="0"/>
+              </a:rPr>
+              <a:t> }</a:t>
             </a:r>
           </a:p>
         </p:txBody>
@@ -14846,7 +14896,7 @@
         <p:spPr bwMode="auto">
           <a:xfrm>
             <a:off x="6765925" y="5662613"/>
-            <a:ext cx="1822450" cy="366712"/>
+            <a:ext cx="1980094" cy="369332"/>
           </a:xfrm>
           <a:prstGeom prst="rect">
             <a:avLst/>
@@ -15052,10 +15102,18 @@
               <a:buNone/>
             </a:pPr>
             <a:r>
-              <a:rPr lang="en-US" altLang="tr-TR" sz="1800"/>
-              <a:t>receiver.action()</a:t>
-            </a:r>
-            <a:endParaRPr lang="en-GB" altLang="tr-TR" sz="1800"/>
+              <a:rPr lang="en-US" altLang="tr-TR" sz="1800" dirty="0"/>
+              <a:t>{</a:t>
+            </a:r>
+            <a:r>
+              <a:rPr lang="en-US" altLang="tr-TR" sz="1800" dirty="0" err="1"/>
+              <a:t>receiver.action</a:t>
+            </a:r>
+            <a:r>
+              <a:rPr lang="en-US" altLang="tr-TR" sz="1800" dirty="0"/>
+              <a:t>()}</a:t>
+            </a:r>
+            <a:endParaRPr lang="en-GB" altLang="tr-TR" sz="1800" dirty="0"/>
           </a:p>
         </p:txBody>
       </p:sp>
@@ -15387,6 +15445,41 @@
                 </a:solidFill>
               </a:rPr>
               <a:t>Participants?</a:t>
+            </a:r>
+          </a:p>
+        </p:txBody>
+      </p:sp>
+      <p:sp>
+        <p:nvSpPr>
+          <p:cNvPr id="3" name="TextBox 2">
+            <a:extLst>
+              <a:ext uri="{FF2B5EF4-FFF2-40B4-BE49-F238E27FC236}">
+                <a16:creationId xmlns:a16="http://schemas.microsoft.com/office/drawing/2014/main" id="{0FE4972B-9F1A-85C8-0883-1F744F266A78}"/>
+              </a:ext>
+            </a:extLst>
+          </p:cNvPr>
+          <p:cNvSpPr txBox="1"/>
+          <p:nvPr/>
+        </p:nvSpPr>
+        <p:spPr>
+          <a:xfrm>
+            <a:off x="786581" y="5267325"/>
+            <a:ext cx="1188146" cy="307777"/>
+          </a:xfrm>
+          <a:prstGeom prst="rect">
+            <a:avLst/>
+          </a:prstGeom>
+          <a:noFill/>
+        </p:spPr>
+        <p:txBody>
+          <a:bodyPr wrap="none" rtlCol="0">
+            <a:spAutoFit/>
+          </a:bodyPr>
+          <a:lstStyle/>
+          <a:p>
+            <a:r>
+              <a:rPr lang="en-US" sz="1400" dirty="0"/>
+              <a:t>&lt;&lt;creates&gt;&gt;</a:t>
             </a:r>
           </a:p>
         </p:txBody>
@@ -24870,8 +24963,16 @@
           <a:bodyPr/>
           <a:lstStyle/>
           <a:p>
-            <a:r>
-              <a:rPr lang="en-US" sz="3200" b="0" i="0" dirty="0">
+            <a:pPr>
+              <a:spcBef>
+                <a:spcPts val="600"/>
+              </a:spcBef>
+              <a:spcAft>
+                <a:spcPts val="600"/>
+              </a:spcAft>
+            </a:pPr>
+            <a:r>
+              <a:rPr lang="en-US" sz="2800" b="0" i="0" dirty="0">
                 <a:solidFill>
                   <a:srgbClr val="000000"/>
                 </a:solidFill>
@@ -24881,7 +24982,7 @@
               <a:t>You can express such parameterization in a procedural language with a </a:t>
             </a:r>
             <a:r>
-              <a:rPr lang="en-US" sz="3200" b="1" i="0" dirty="0">
+              <a:rPr lang="en-US" sz="2800" b="1" i="0" dirty="0">
                 <a:solidFill>
                   <a:srgbClr val="000000"/>
                 </a:solidFill>
@@ -24891,7 +24992,7 @@
               <a:t>callback</a:t>
             </a:r>
             <a:r>
-              <a:rPr lang="en-US" sz="3200" b="0" i="0" dirty="0">
+              <a:rPr lang="en-US" sz="2800" b="0" i="0" dirty="0">
                 <a:solidFill>
                   <a:srgbClr val="000000"/>
                 </a:solidFill>
@@ -24902,21 +25003,36 @@
             </a:r>
           </a:p>
           <a:p>
-            <a:pPr lvl="1"/>
-            <a:r>
-              <a:rPr lang="en-US" b="0" i="0" dirty="0">
+            <a:pPr lvl="1">
+              <a:spcBef>
+                <a:spcPts val="600"/>
+              </a:spcBef>
+              <a:spcAft>
+                <a:spcPts val="600"/>
+              </a:spcAft>
+            </a:pPr>
+            <a:r>
+              <a:rPr lang="en-US" sz="2400" b="0" i="0" dirty="0">
                 <a:solidFill>
                   <a:srgbClr val="000000"/>
                 </a:solidFill>
                 <a:effectLst/>
                 <a:latin typeface="+mj-lt"/>
               </a:rPr>
-              <a:t> a function that is registered somewhere to be called at a later point. </a:t>
-            </a:r>
-          </a:p>
-          <a:p>
-            <a:r>
-              <a:rPr lang="en-US" sz="3200" b="0" i="0" dirty="0">
+              <a:t> callback: a function that is registered somewhere to be called at a later point. </a:t>
+            </a:r>
+          </a:p>
+          <a:p>
+            <a:pPr>
+              <a:spcBef>
+                <a:spcPts val="600"/>
+              </a:spcBef>
+              <a:spcAft>
+                <a:spcPts val="600"/>
+              </a:spcAft>
+            </a:pPr>
+            <a:r>
+              <a:rPr lang="en-US" sz="2800" b="0" i="0" dirty="0">
                 <a:solidFill>
                   <a:srgbClr val="000000"/>
                 </a:solidFill>
@@ -24925,9 +25041,6 @@
               </a:rPr>
               <a:t>Commands are an object-oriented replacement for callbacks.</a:t>
             </a:r>
-          </a:p>
-          <a:p>
-            <a:endParaRPr lang="en-US" dirty="0"/>
           </a:p>
         </p:txBody>
       </p:sp>
@@ -25387,8 +25500,8 @@
         </p:nvSpPr>
         <p:spPr>
           <a:xfrm>
-            <a:off x="457200" y="1335088"/>
-            <a:ext cx="8229600" cy="4532312"/>
+            <a:off x="457199" y="1335088"/>
+            <a:ext cx="8411497" cy="4532312"/>
           </a:xfrm>
         </p:spPr>
         <p:txBody>
@@ -25396,40 +25509,65 @@
           <a:lstStyle/>
           <a:p>
             <a:r>
+              <a:rPr lang="en-US" altLang="tr-TR" sz="2800" dirty="0"/>
+              <a:t>We want to write a class that can periodically execute one or more methods of various objects. </a:t>
+            </a:r>
+          </a:p>
+          <a:p>
+            <a:pPr lvl="1"/>
+            <a:r>
               <a:rPr lang="en-US" altLang="tr-TR" sz="2400" dirty="0"/>
-              <a:t>We want to write a class that can periodically execute one or more methods of various objects. </a:t>
-            </a:r>
-          </a:p>
-          <a:p>
-            <a:r>
-              <a:rPr lang="en-US" altLang="tr-TR" sz="2400" dirty="0"/>
-              <a:t>For example, we want to run a backup operation every hour and a disk status operation every ten minutes. </a:t>
-            </a:r>
-          </a:p>
-          <a:p>
-            <a:r>
-              <a:rPr lang="en-US" altLang="tr-TR" sz="2400" dirty="0"/>
+              <a:t>Example: we want to run a backup operation every hour and a disk status operation every ten minutes. </a:t>
+            </a:r>
+          </a:p>
+          <a:p>
+            <a:r>
+              <a:rPr lang="en-US" altLang="tr-TR" sz="2800" dirty="0"/>
               <a:t>But we do not want the class to know the details of these operations or the objects that provide them. </a:t>
             </a:r>
           </a:p>
           <a:p>
             <a:r>
-              <a:rPr lang="en-US" altLang="tr-TR" sz="2400" dirty="0"/>
-              <a:t>We want to decouple the class that schedules the execution of these methods with the classes that actually provide the behavior we want to execute.</a:t>
-            </a:r>
-          </a:p>
-          <a:p>
-            <a:endParaRPr lang="en-US" altLang="tr-TR" sz="2400" dirty="0"/>
+              <a:rPr lang="en-US" altLang="tr-TR" sz="2800" dirty="0"/>
+              <a:t>We want to </a:t>
+            </a:r>
+            <a:r>
+              <a:rPr lang="en-US" altLang="tr-TR" sz="2800" b="1" dirty="0"/>
+              <a:t>decouple</a:t>
+            </a:r>
+            <a:r>
+              <a:rPr lang="en-US" altLang="tr-TR" sz="2800" dirty="0"/>
+              <a:t> the class that </a:t>
+            </a:r>
+            <a:r>
+              <a:rPr lang="en-US" altLang="tr-TR" sz="2800" b="1" dirty="0"/>
+              <a:t>schedules</a:t>
+            </a:r>
+            <a:r>
+              <a:rPr lang="en-US" altLang="tr-TR" sz="2800" dirty="0"/>
+              <a:t> the execution of these methods with the classes that </a:t>
+            </a:r>
+            <a:r>
+              <a:rPr lang="en-US" altLang="tr-TR" sz="2800" b="1" dirty="0"/>
+              <a:t>actually do</a:t>
+            </a:r>
+            <a:r>
+              <a:rPr lang="en-US" altLang="tr-TR" sz="2800" dirty="0"/>
+              <a:t> the behavior we want to execute.</a:t>
+            </a:r>
+          </a:p>
+          <a:p>
+            <a:endParaRPr lang="en-US" altLang="tr-TR" sz="2800" dirty="0"/>
           </a:p>
           <a:p>
             <a:pPr marL="0" indent="0">
               <a:buNone/>
             </a:pPr>
             <a:r>
-              <a:rPr lang="en-US" altLang="tr-TR" sz="2400" dirty="0"/>
+              <a:rPr lang="en-US" altLang="tr-TR" sz="2800" dirty="0"/>
               <a:t>Draw a class diagram</a:t>
             </a:r>
-            <a:endParaRPr lang="tr-TR" altLang="tr-TR" sz="2400" dirty="0"/>
+            <a:endParaRPr lang="tr-TR" altLang="tr-TR" sz="2800" dirty="0"/>
           </a:p>
         </p:txBody>
       </p:sp>
@@ -26032,6 +26170,229 @@
           </a:p>
         </p:txBody>
       </p:sp>
+      <p:sp>
+        <p:nvSpPr>
+          <p:cNvPr id="3" name="Rectangle 2">
+            <a:extLst>
+              <a:ext uri="{FF2B5EF4-FFF2-40B4-BE49-F238E27FC236}">
+                <a16:creationId xmlns:a16="http://schemas.microsoft.com/office/drawing/2014/main" id="{AF64468D-C2C4-DB78-9CF9-AD9521EC8DF0}"/>
+              </a:ext>
+            </a:extLst>
+          </p:cNvPr>
+          <p:cNvSpPr/>
+          <p:nvPr/>
+        </p:nvSpPr>
+        <p:spPr bwMode="auto">
+          <a:xfrm>
+            <a:off x="5837238" y="4975123"/>
+            <a:ext cx="1851588" cy="1091380"/>
+          </a:xfrm>
+          <a:prstGeom prst="rect">
+            <a:avLst/>
+          </a:prstGeom>
+          <a:ln>
+            <a:headEnd type="none" w="med" len="med"/>
+            <a:tailEnd type="triangle" w="med" len="med"/>
+          </a:ln>
+        </p:spPr>
+        <p:style>
+          <a:lnRef idx="2">
+            <a:schemeClr val="dk1"/>
+          </a:lnRef>
+          <a:fillRef idx="1">
+            <a:schemeClr val="lt1"/>
+          </a:fillRef>
+          <a:effectRef idx="0">
+            <a:schemeClr val="dk1"/>
+          </a:effectRef>
+          <a:fontRef idx="minor">
+            <a:schemeClr val="dk1"/>
+          </a:fontRef>
+        </p:style>
+        <p:txBody>
+          <a:bodyPr vert="horz" wrap="square" lIns="91440" tIns="45720" rIns="91440" bIns="45720" numCol="1" rtlCol="0" anchor="t" anchorCtr="0" compatLnSpc="1">
+            <a:prstTxWarp prst="textNoShape">
+              <a:avLst/>
+            </a:prstTxWarp>
+          </a:bodyPr>
+          <a:lstStyle/>
+          <a:p>
+            <a:pPr marL="0" marR="0" indent="0" algn="l" defTabSz="914400" rtl="0" eaLnBrk="0" fontAlgn="base" latinLnBrk="0" hangingPunct="0">
+              <a:lnSpc>
+                <a:spcPct val="100000"/>
+              </a:lnSpc>
+              <a:spcBef>
+                <a:spcPct val="0"/>
+              </a:spcBef>
+              <a:spcAft>
+                <a:spcPct val="0"/>
+              </a:spcAft>
+              <a:buClrTx/>
+              <a:buSzTx/>
+              <a:buFontTx/>
+              <a:buNone/>
+              <a:tabLst/>
+            </a:pPr>
+            <a:r>
+              <a:rPr kumimoji="0" lang="en-US" sz="1800" b="0" i="0" u="none" strike="noStrike" cap="none" normalizeH="0" baseline="0" dirty="0">
+                <a:ln>
+                  <a:noFill/>
+                </a:ln>
+                <a:solidFill>
+                  <a:schemeClr val="tx1"/>
+                </a:solidFill>
+                <a:effectLst/>
+                <a:latin typeface="Arial" charset="0"/>
+              </a:rPr>
+              <a:t>Disk</a:t>
+            </a:r>
+          </a:p>
+          <a:p>
+            <a:pPr marL="0" marR="0" indent="0" algn="l" defTabSz="914400" rtl="0" eaLnBrk="0" fontAlgn="base" latinLnBrk="0" hangingPunct="0">
+              <a:lnSpc>
+                <a:spcPct val="100000"/>
+              </a:lnSpc>
+              <a:spcBef>
+                <a:spcPct val="0"/>
+              </a:spcBef>
+              <a:spcAft>
+                <a:spcPct val="0"/>
+              </a:spcAft>
+              <a:buClrTx/>
+              <a:buSzTx/>
+              <a:buFontTx/>
+              <a:buNone/>
+              <a:tabLst/>
+            </a:pPr>
+            <a:r>
+              <a:rPr lang="en-US" dirty="0">
+                <a:solidFill>
+                  <a:schemeClr val="tx1"/>
+                </a:solidFill>
+                <a:latin typeface="Arial" charset="0"/>
+              </a:rPr>
+              <a:t>+backup()</a:t>
+            </a:r>
+          </a:p>
+          <a:p>
+            <a:pPr marL="0" marR="0" indent="0" algn="l" defTabSz="914400" rtl="0" eaLnBrk="0" fontAlgn="base" latinLnBrk="0" hangingPunct="0">
+              <a:lnSpc>
+                <a:spcPct val="100000"/>
+              </a:lnSpc>
+              <a:spcBef>
+                <a:spcPct val="0"/>
+              </a:spcBef>
+              <a:spcAft>
+                <a:spcPct val="0"/>
+              </a:spcAft>
+              <a:buClrTx/>
+              <a:buSzTx/>
+              <a:buFontTx/>
+              <a:buNone/>
+              <a:tabLst/>
+            </a:pPr>
+            <a:r>
+              <a:rPr lang="en-US" dirty="0">
+                <a:solidFill>
+                  <a:schemeClr val="tx1"/>
+                </a:solidFill>
+                <a:latin typeface="Arial" charset="0"/>
+              </a:rPr>
+              <a:t>+</a:t>
+            </a:r>
+            <a:r>
+              <a:rPr lang="en-US" dirty="0" err="1">
+                <a:solidFill>
+                  <a:schemeClr val="tx1"/>
+                </a:solidFill>
+                <a:latin typeface="Arial" charset="0"/>
+              </a:rPr>
+              <a:t>checkstatus</a:t>
+            </a:r>
+            <a:r>
+              <a:rPr lang="en-US" dirty="0">
+                <a:solidFill>
+                  <a:schemeClr val="tx1"/>
+                </a:solidFill>
+                <a:latin typeface="Arial" charset="0"/>
+              </a:rPr>
+              <a:t>()</a:t>
+            </a:r>
+          </a:p>
+        </p:txBody>
+      </p:sp>
+      <p:cxnSp>
+        <p:nvCxnSpPr>
+          <p:cNvPr id="5" name="Straight Arrow Connector 4">
+            <a:extLst>
+              <a:ext uri="{FF2B5EF4-FFF2-40B4-BE49-F238E27FC236}">
+                <a16:creationId xmlns:a16="http://schemas.microsoft.com/office/drawing/2014/main" id="{D1D4C2E4-6250-9BFB-6757-DC6A98BD891E}"/>
+              </a:ext>
+            </a:extLst>
+          </p:cNvPr>
+          <p:cNvCxnSpPr/>
+          <p:nvPr/>
+        </p:nvCxnSpPr>
+        <p:spPr bwMode="auto">
+          <a:xfrm>
+            <a:off x="5456903" y="4395019"/>
+            <a:ext cx="609600" cy="491613"/>
+          </a:xfrm>
+          <a:prstGeom prst="straightConnector1">
+            <a:avLst/>
+          </a:prstGeom>
+          <a:solidFill>
+            <a:schemeClr val="accent1"/>
+          </a:solidFill>
+          <a:ln w="9525" cap="flat" cmpd="sng" algn="ctr">
+            <a:solidFill>
+              <a:schemeClr val="tx1"/>
+            </a:solidFill>
+            <a:prstDash val="solid"/>
+            <a:round/>
+            <a:headEnd type="none" w="med" len="med"/>
+            <a:tailEnd type="arrow"/>
+          </a:ln>
+          <a:effectLst/>
+        </p:spPr>
+      </p:cxnSp>
+      <p:cxnSp>
+        <p:nvCxnSpPr>
+          <p:cNvPr id="6" name="Straight Arrow Connector 5">
+            <a:extLst>
+              <a:ext uri="{FF2B5EF4-FFF2-40B4-BE49-F238E27FC236}">
+                <a16:creationId xmlns:a16="http://schemas.microsoft.com/office/drawing/2014/main" id="{304A0925-63F1-58DB-D7EF-7DE54543DA2A}"/>
+              </a:ext>
+            </a:extLst>
+          </p:cNvPr>
+          <p:cNvCxnSpPr>
+            <a:cxnSpLocks/>
+          </p:cNvCxnSpPr>
+          <p:nvPr/>
+        </p:nvCxnSpPr>
+        <p:spPr bwMode="auto">
+          <a:xfrm flipH="1">
+            <a:off x="6828503" y="4395019"/>
+            <a:ext cx="427703" cy="491613"/>
+          </a:xfrm>
+          <a:prstGeom prst="straightConnector1">
+            <a:avLst/>
+          </a:prstGeom>
+          <a:solidFill>
+            <a:schemeClr val="accent1"/>
+          </a:solidFill>
+          <a:ln w="9525" cap="flat" cmpd="sng" algn="ctr">
+            <a:solidFill>
+              <a:schemeClr val="tx1"/>
+            </a:solidFill>
+            <a:prstDash val="solid"/>
+            <a:round/>
+            <a:headEnd type="none" w="med" len="med"/>
+            <a:tailEnd type="arrow"/>
+          </a:ln>
+          <a:effectLst/>
+        </p:spPr>
+      </p:cxnSp>
     </p:spTree>
     <p:extLst>
       <p:ext uri="{BB962C8B-B14F-4D97-AF65-F5344CB8AC3E}">
@@ -26124,7 +26485,7 @@
           <a:p>
             <a:r>
               <a:rPr lang="en-US" altLang="tr-TR" sz="2800" dirty="0"/>
-              <a:t>Can do fancy things</a:t>
+              <a:t>Can do fancy things </a:t>
             </a:r>
           </a:p>
           <a:p>
@@ -26264,7 +26625,7 @@
           <a:p>
             <a:r>
               <a:rPr lang="en-US" altLang="tr-TR" dirty="0"/>
-              <a:t>We will learn</a:t>
+              <a:t>We will discuss</a:t>
             </a:r>
             <a:endParaRPr lang="en-GB" altLang="tr-TR" dirty="0"/>
           </a:p>
@@ -26450,7 +26811,7 @@
 </file>
 
 <file path=ppt/slides/slide20.xml><?xml version="1.0" encoding="utf-8"?>
-<p:sld xmlns:a="http://schemas.openxmlformats.org/drawingml/2006/main" xmlns:r="http://schemas.openxmlformats.org/officeDocument/2006/relationships" xmlns:p="http://schemas.openxmlformats.org/presentationml/2006/main" show="0">
+<p:sld xmlns:a="http://schemas.openxmlformats.org/drawingml/2006/main" xmlns:r="http://schemas.openxmlformats.org/officeDocument/2006/relationships" xmlns:p="http://schemas.openxmlformats.org/presentationml/2006/main">
   <p:cSld>
     <p:spTree>
       <p:nvGrpSpPr>
@@ -27027,7 +27388,7 @@
                 <a:latin typeface="Source Sans Pro" panose="020B0503030403020204" pitchFamily="34" charset="0"/>
                 <a:ea typeface="Source Sans Pro" panose="020B0503030403020204" pitchFamily="34" charset="0"/>
               </a:rPr>
-              <a:t>       //…constructors, destructor</a:t>
+              <a:t>     virtual void add(Command*);  </a:t>
             </a:r>
           </a:p>
           <a:p>
@@ -27039,7 +27400,7 @@
                 <a:latin typeface="Source Sans Pro" panose="020B0503030403020204" pitchFamily="34" charset="0"/>
                 <a:ea typeface="Source Sans Pro" panose="020B0503030403020204" pitchFamily="34" charset="0"/>
               </a:rPr>
-              <a:t>      virtual void add(Command*);  </a:t>
+              <a:t>      virtual void remove(Command*);</a:t>
             </a:r>
           </a:p>
           <a:p>
@@ -27051,7 +27412,7 @@
                 <a:latin typeface="Source Sans Pro" panose="020B0503030403020204" pitchFamily="34" charset="0"/>
                 <a:ea typeface="Source Sans Pro" panose="020B0503030403020204" pitchFamily="34" charset="0"/>
               </a:rPr>
-              <a:t>      virtual void remove(Command*);</a:t>
+              <a:t>      virtual void execute();</a:t>
             </a:r>
           </a:p>
           <a:p>
@@ -27059,11 +27420,11 @@
               <a:buNone/>
             </a:pPr>
             <a:r>
-              <a:rPr lang="en-US" sz="2200" dirty="0">
-                <a:latin typeface="Source Sans Pro" panose="020B0503030403020204" pitchFamily="34" charset="0"/>
-                <a:ea typeface="Source Sans Pro" panose="020B0503030403020204" pitchFamily="34" charset="0"/>
-              </a:rPr>
-              <a:t>      virtual void execute();</a:t>
+              <a:rPr lang="en-US" sz="1800" dirty="0">
+                <a:latin typeface="Source Sans Pro" panose="020B0503030403020204" pitchFamily="34" charset="0"/>
+                <a:ea typeface="Source Sans Pro" panose="020B0503030403020204" pitchFamily="34" charset="0"/>
+              </a:rPr>
+              <a:t>         //…constructors, destructor</a:t>
             </a:r>
           </a:p>
           <a:p>
@@ -27139,7 +27500,21 @@
                 <a:latin typeface="Source Sans Pro" panose="020B0503030403020204" pitchFamily="34" charset="0"/>
                 <a:ea typeface="Source Sans Pro" panose="020B0503030403020204" pitchFamily="34" charset="0"/>
               </a:rPr>
-              <a:t>::Execute () {</a:t>
+              <a:t>::</a:t>
+            </a:r>
+            <a:r>
+              <a:rPr lang="en-US" sz="2200" b="1" dirty="0">
+                <a:latin typeface="Source Sans Pro" panose="020B0503030403020204" pitchFamily="34" charset="0"/>
+                <a:ea typeface="Source Sans Pro" panose="020B0503030403020204" pitchFamily="34" charset="0"/>
+              </a:rPr>
+              <a:t>execute</a:t>
+            </a:r>
+            <a:r>
+              <a:rPr lang="en-US" sz="2200" dirty="0">
+                <a:latin typeface="Source Sans Pro" panose="020B0503030403020204" pitchFamily="34" charset="0"/>
+                <a:ea typeface="Source Sans Pro" panose="020B0503030403020204" pitchFamily="34" charset="0"/>
+              </a:rPr>
+              <a:t> () {</a:t>
             </a:r>
           </a:p>
           <a:p>
@@ -27151,45 +27526,52 @@
                 <a:latin typeface="Source Sans Pro" panose="020B0503030403020204" pitchFamily="34" charset="0"/>
                 <a:ea typeface="Source Sans Pro" panose="020B0503030403020204" pitchFamily="34" charset="0"/>
               </a:rPr>
-              <a:t>   for (const auto &amp;</a:t>
-            </a:r>
-            <a:r>
-              <a:rPr lang="en-US" sz="2200" dirty="0" err="1">
+              <a:t>   </a:t>
+            </a:r>
+            <a:r>
+              <a:rPr lang="en-US" sz="2200" b="1" dirty="0">
+                <a:latin typeface="Source Sans Pro" panose="020B0503030403020204" pitchFamily="34" charset="0"/>
+                <a:ea typeface="Source Sans Pro" panose="020B0503030403020204" pitchFamily="34" charset="0"/>
+              </a:rPr>
+              <a:t>for (const auto &amp;</a:t>
+            </a:r>
+            <a:r>
+              <a:rPr lang="en-US" sz="2200" b="1" dirty="0" err="1">
                 <a:latin typeface="Source Sans Pro" panose="020B0503030403020204" pitchFamily="34" charset="0"/>
                 <a:ea typeface="Source Sans Pro" panose="020B0503030403020204" pitchFamily="34" charset="0"/>
               </a:rPr>
               <a:t>cmd</a:t>
             </a:r>
             <a:r>
-              <a:rPr lang="en-US" sz="2200" dirty="0">
+              <a:rPr lang="en-US" sz="2200" b="1" dirty="0">
                 <a:latin typeface="Source Sans Pro" panose="020B0503030403020204" pitchFamily="34" charset="0"/>
                 <a:ea typeface="Source Sans Pro" panose="020B0503030403020204" pitchFamily="34" charset="0"/>
               </a:rPr>
               <a:t>: *</a:t>
             </a:r>
             <a:r>
-              <a:rPr lang="en-US" sz="2200" dirty="0" err="1">
+              <a:rPr lang="en-US" sz="2200" b="1" dirty="0" err="1">
                 <a:latin typeface="Source Sans Pro" panose="020B0503030403020204" pitchFamily="34" charset="0"/>
                 <a:ea typeface="Source Sans Pro" panose="020B0503030403020204" pitchFamily="34" charset="0"/>
               </a:rPr>
               <a:t>cmds</a:t>
             </a:r>
             <a:r>
-              <a:rPr lang="en-US" sz="2200" dirty="0">
+              <a:rPr lang="en-US" sz="2200" b="1" dirty="0">
                 <a:latin typeface="Source Sans Pro" panose="020B0503030403020204" pitchFamily="34" charset="0"/>
                 <a:ea typeface="Source Sans Pro" panose="020B0503030403020204" pitchFamily="34" charset="0"/>
               </a:rPr>
               <a:t>)     </a:t>
             </a:r>
             <a:r>
-              <a:rPr lang="en-US" sz="2200" dirty="0" err="1">
+              <a:rPr lang="en-US" sz="2200" b="1" dirty="0" err="1">
                 <a:latin typeface="Source Sans Pro" panose="020B0503030403020204" pitchFamily="34" charset="0"/>
                 <a:ea typeface="Source Sans Pro" panose="020B0503030403020204" pitchFamily="34" charset="0"/>
               </a:rPr>
               <a:t>cmd</a:t>
             </a:r>
             <a:r>
-              <a:rPr lang="en-US" sz="2200" dirty="0">
+              <a:rPr lang="en-US" sz="2200" b="1" dirty="0">
                 <a:latin typeface="Source Sans Pro" panose="020B0503030403020204" pitchFamily="34" charset="0"/>
                 <a:ea typeface="Source Sans Pro" panose="020B0503030403020204" pitchFamily="34" charset="0"/>
               </a:rPr>
@@ -27206,6 +27588,45 @@
                 <a:ea typeface="Source Sans Pro" panose="020B0503030403020204" pitchFamily="34" charset="0"/>
               </a:rPr>
               <a:t> }</a:t>
+            </a:r>
+          </a:p>
+        </p:txBody>
+      </p:sp>
+      <p:sp>
+        <p:nvSpPr>
+          <p:cNvPr id="4" name="TextBox 3">
+            <a:extLst>
+              <a:ext uri="{FF2B5EF4-FFF2-40B4-BE49-F238E27FC236}">
+                <a16:creationId xmlns:a16="http://schemas.microsoft.com/office/drawing/2014/main" id="{FA0B395F-4336-AACB-57C7-B78C8442A9F6}"/>
+              </a:ext>
+            </a:extLst>
+          </p:cNvPr>
+          <p:cNvSpPr txBox="1"/>
+          <p:nvPr/>
+        </p:nvSpPr>
+        <p:spPr>
+          <a:xfrm>
+            <a:off x="7079226" y="2163097"/>
+            <a:ext cx="620683" cy="369332"/>
+          </a:xfrm>
+          <a:prstGeom prst="rect">
+            <a:avLst/>
+          </a:prstGeom>
+          <a:noFill/>
+        </p:spPr>
+        <p:txBody>
+          <a:bodyPr wrap="none" rtlCol="0">
+            <a:spAutoFit/>
+          </a:bodyPr>
+          <a:lstStyle/>
+          <a:p>
+            <a:r>
+              <a:rPr lang="en-US" dirty="0">
+                <a:solidFill>
+                  <a:srgbClr val="7030A0"/>
+                </a:solidFill>
+              </a:rPr>
+              <a:t>C++</a:t>
             </a:r>
           </a:p>
         </p:txBody>
@@ -27340,7 +27761,21 @@
                 <a:latin typeface="Source Sans Pro" panose="020B0503030403020204" pitchFamily="34" charset="0"/>
                 <a:ea typeface="Source Sans Pro" panose="020B0503030403020204" pitchFamily="34" charset="0"/>
               </a:rPr>
-              <a:t>    public void execute() {</a:t>
+              <a:t>    public void </a:t>
+            </a:r>
+            <a:r>
+              <a:rPr lang="en-US" sz="2400" b="1" dirty="0">
+                <a:latin typeface="Source Sans Pro" panose="020B0503030403020204" pitchFamily="34" charset="0"/>
+                <a:ea typeface="Source Sans Pro" panose="020B0503030403020204" pitchFamily="34" charset="0"/>
+              </a:rPr>
+              <a:t>execute</a:t>
+            </a:r>
+            <a:r>
+              <a:rPr lang="en-US" sz="2400" dirty="0">
+                <a:latin typeface="Source Sans Pro" panose="020B0503030403020204" pitchFamily="34" charset="0"/>
+                <a:ea typeface="Source Sans Pro" panose="020B0503030403020204" pitchFamily="34" charset="0"/>
+              </a:rPr>
+              <a:t>() {</a:t>
             </a:r>
           </a:p>
           <a:p>
@@ -27355,14 +27790,14 @@
               <a:t>        </a:t>
             </a:r>
             <a:r>
-              <a:rPr lang="en-US" sz="2400" dirty="0" err="1">
+              <a:rPr lang="en-US" sz="2400" b="1" dirty="0" err="1">
                 <a:latin typeface="Source Sans Pro" panose="020B0503030403020204" pitchFamily="34" charset="0"/>
                 <a:ea typeface="Source Sans Pro" panose="020B0503030403020204" pitchFamily="34" charset="0"/>
               </a:rPr>
               <a:t>commands.forEach</a:t>
             </a:r>
             <a:r>
-              <a:rPr lang="en-US" sz="2400" dirty="0">
+              <a:rPr lang="en-US" sz="2400" b="1" dirty="0">
                 <a:latin typeface="Source Sans Pro" panose="020B0503030403020204" pitchFamily="34" charset="0"/>
                 <a:ea typeface="Source Sans Pro" panose="020B0503030403020204" pitchFamily="34" charset="0"/>
               </a:rPr>
@@ -27479,6 +27914,45 @@
                 <a:ea typeface="Source Sans Pro" panose="020B0503030403020204" pitchFamily="34" charset="0"/>
               </a:rPr>
               <a:t>    }</a:t>
+            </a:r>
+          </a:p>
+        </p:txBody>
+      </p:sp>
+      <p:sp>
+        <p:nvSpPr>
+          <p:cNvPr id="4" name="TextBox 3">
+            <a:extLst>
+              <a:ext uri="{FF2B5EF4-FFF2-40B4-BE49-F238E27FC236}">
+                <a16:creationId xmlns:a16="http://schemas.microsoft.com/office/drawing/2014/main" id="{F67A13CA-F412-A6BB-FC22-5365D0825151}"/>
+              </a:ext>
+            </a:extLst>
+          </p:cNvPr>
+          <p:cNvSpPr txBox="1"/>
+          <p:nvPr/>
+        </p:nvSpPr>
+        <p:spPr>
+          <a:xfrm>
+            <a:off x="7728155" y="2231923"/>
+            <a:ext cx="671979" cy="369332"/>
+          </a:xfrm>
+          <a:prstGeom prst="rect">
+            <a:avLst/>
+          </a:prstGeom>
+          <a:noFill/>
+        </p:spPr>
+        <p:txBody>
+          <a:bodyPr wrap="none" rtlCol="0">
+            <a:spAutoFit/>
+          </a:bodyPr>
+          <a:lstStyle/>
+          <a:p>
+            <a:r>
+              <a:rPr lang="en-US" dirty="0">
+                <a:solidFill>
+                  <a:srgbClr val="7030A0"/>
+                </a:solidFill>
+              </a:rPr>
+              <a:t>Java</a:t>
             </a:r>
           </a:p>
         </p:txBody>
@@ -27493,6 +27967,178 @@
   <p:clrMapOvr>
     <a:masterClrMapping/>
   </p:clrMapOvr>
+  <p:timing>
+    <p:tnLst>
+      <p:par>
+        <p:cTn id="1" dur="indefinite" restart="never" nodeType="tmRoot">
+          <p:childTnLst>
+            <p:seq concurrent="1" nextAc="seek">
+              <p:cTn id="2" dur="indefinite" nodeType="mainSeq">
+                <p:childTnLst>
+                  <p:par>
+                    <p:cTn id="3" fill="hold">
+                      <p:stCondLst>
+                        <p:cond delay="indefinite"/>
+                      </p:stCondLst>
+                      <p:childTnLst>
+                        <p:par>
+                          <p:cTn id="4" fill="hold">
+                            <p:stCondLst>
+                              <p:cond delay="0"/>
+                            </p:stCondLst>
+                            <p:childTnLst>
+                              <p:par>
+                                <p:cTn id="5" presetID="1" presetClass="entr" presetSubtype="0" fill="hold" nodeType="clickEffect">
+                                  <p:stCondLst>
+                                    <p:cond delay="0"/>
+                                  </p:stCondLst>
+                                  <p:childTnLst>
+                                    <p:set>
+                                      <p:cBhvr>
+                                        <p:cTn id="6" dur="1" fill="hold">
+                                          <p:stCondLst>
+                                            <p:cond delay="0"/>
+                                          </p:stCondLst>
+                                        </p:cTn>
+                                        <p:tgtEl>
+                                          <p:spTgt spid="3">
+                                            <p:txEl>
+                                              <p:pRg st="7" end="7"/>
+                                            </p:txEl>
+                                          </p:spTgt>
+                                        </p:tgtEl>
+                                        <p:attrNameLst>
+                                          <p:attrName>style.visibility</p:attrName>
+                                        </p:attrNameLst>
+                                      </p:cBhvr>
+                                      <p:to>
+                                        <p:strVal val="visible"/>
+                                      </p:to>
+                                    </p:set>
+                                  </p:childTnLst>
+                                </p:cTn>
+                              </p:par>
+                              <p:par>
+                                <p:cTn id="7" presetID="1" presetClass="entr" presetSubtype="0" fill="hold" nodeType="withEffect">
+                                  <p:stCondLst>
+                                    <p:cond delay="0"/>
+                                  </p:stCondLst>
+                                  <p:childTnLst>
+                                    <p:set>
+                                      <p:cBhvr>
+                                        <p:cTn id="8" dur="1" fill="hold">
+                                          <p:stCondLst>
+                                            <p:cond delay="0"/>
+                                          </p:stCondLst>
+                                        </p:cTn>
+                                        <p:tgtEl>
+                                          <p:spTgt spid="3">
+                                            <p:txEl>
+                                              <p:pRg st="8" end="8"/>
+                                            </p:txEl>
+                                          </p:spTgt>
+                                        </p:tgtEl>
+                                        <p:attrNameLst>
+                                          <p:attrName>style.visibility</p:attrName>
+                                        </p:attrNameLst>
+                                      </p:cBhvr>
+                                      <p:to>
+                                        <p:strVal val="visible"/>
+                                      </p:to>
+                                    </p:set>
+                                  </p:childTnLst>
+                                </p:cTn>
+                              </p:par>
+                              <p:par>
+                                <p:cTn id="9" presetID="1" presetClass="entr" presetSubtype="0" fill="hold" nodeType="withEffect">
+                                  <p:stCondLst>
+                                    <p:cond delay="0"/>
+                                  </p:stCondLst>
+                                  <p:childTnLst>
+                                    <p:set>
+                                      <p:cBhvr>
+                                        <p:cTn id="10" dur="1" fill="hold">
+                                          <p:stCondLst>
+                                            <p:cond delay="0"/>
+                                          </p:stCondLst>
+                                        </p:cTn>
+                                        <p:tgtEl>
+                                          <p:spTgt spid="3">
+                                            <p:txEl>
+                                              <p:pRg st="9" end="9"/>
+                                            </p:txEl>
+                                          </p:spTgt>
+                                        </p:tgtEl>
+                                        <p:attrNameLst>
+                                          <p:attrName>style.visibility</p:attrName>
+                                        </p:attrNameLst>
+                                      </p:cBhvr>
+                                      <p:to>
+                                        <p:strVal val="visible"/>
+                                      </p:to>
+                                    </p:set>
+                                  </p:childTnLst>
+                                </p:cTn>
+                              </p:par>
+                              <p:par>
+                                <p:cTn id="11" presetID="1" presetClass="entr" presetSubtype="0" fill="hold" nodeType="withEffect">
+                                  <p:stCondLst>
+                                    <p:cond delay="0"/>
+                                  </p:stCondLst>
+                                  <p:childTnLst>
+                                    <p:set>
+                                      <p:cBhvr>
+                                        <p:cTn id="12" dur="1" fill="hold">
+                                          <p:stCondLst>
+                                            <p:cond delay="0"/>
+                                          </p:stCondLst>
+                                        </p:cTn>
+                                        <p:tgtEl>
+                                          <p:spTgt spid="3">
+                                            <p:txEl>
+                                              <p:pRg st="10" end="10"/>
+                                            </p:txEl>
+                                          </p:spTgt>
+                                        </p:tgtEl>
+                                        <p:attrNameLst>
+                                          <p:attrName>style.visibility</p:attrName>
+                                        </p:attrNameLst>
+                                      </p:cBhvr>
+                                      <p:to>
+                                        <p:strVal val="visible"/>
+                                      </p:to>
+                                    </p:set>
+                                  </p:childTnLst>
+                                </p:cTn>
+                              </p:par>
+                            </p:childTnLst>
+                          </p:cTn>
+                        </p:par>
+                      </p:childTnLst>
+                    </p:cTn>
+                  </p:par>
+                </p:childTnLst>
+              </p:cTn>
+              <p:prevCondLst>
+                <p:cond evt="onPrev" delay="0">
+                  <p:tgtEl>
+                    <p:sldTgt/>
+                  </p:tgtEl>
+                </p:cond>
+              </p:prevCondLst>
+              <p:nextCondLst>
+                <p:cond evt="onNext" delay="0">
+                  <p:tgtEl>
+                    <p:sldTgt/>
+                  </p:tgtEl>
+                </p:cond>
+              </p:nextCondLst>
+            </p:seq>
+          </p:childTnLst>
+        </p:cTn>
+      </p:par>
+    </p:tnLst>
+  </p:timing>
 </p:sld>
 </file>
 
@@ -27699,8 +28345,8 @@
         </p:nvSpPr>
         <p:spPr>
           <a:xfrm>
-            <a:off x="457200" y="1270636"/>
-            <a:ext cx="8548255" cy="4532109"/>
+            <a:off x="290052" y="1270636"/>
+            <a:ext cx="8853948" cy="4532109"/>
           </a:xfrm>
         </p:spPr>
         <p:txBody>
@@ -27817,6 +28463,11 @@
               </a:rPr>
               <a:t>          public void undo();</a:t>
             </a:r>
+          </a:p>
+          <a:p>
+            <a:pPr marL="0" indent="0">
+              <a:buNone/>
+            </a:pPr>
             <a:r>
               <a:rPr lang="en-US" sz="2400" b="0" i="0" dirty="0">
                 <a:solidFill>
@@ -27826,7 +28477,7 @@
                 <a:latin typeface="Source Code Pro" panose="020B0509030403020204" pitchFamily="49" charset="0"/>
                 <a:ea typeface="Source Code Pro" panose="020B0509030403020204" pitchFamily="49" charset="0"/>
               </a:rPr>
-              <a:t>}</a:t>
+              <a:t>   }</a:t>
             </a:r>
             <a:r>
               <a:rPr lang="en-US" sz="2400" b="0" i="0" dirty="0">
@@ -27870,19 +28521,6 @@
                 <a:latin typeface="+mj-lt"/>
               </a:rPr>
               <a:t> class might need to store additional data to undo the operation. </a:t>
-            </a:r>
-          </a:p>
-          <a:p>
-            <a:pPr lvl="1"/>
-            <a:r>
-              <a:rPr lang="en-US" sz="2000" b="0" i="0" dirty="0">
-                <a:solidFill>
-                  <a:srgbClr val="000000"/>
-                </a:solidFill>
-                <a:effectLst/>
-                <a:latin typeface="+mj-lt"/>
-              </a:rPr>
-              <a:t>the Receiver object, which actually carries out operations in response to the request,</a:t>
             </a:r>
           </a:p>
           <a:p>
@@ -27919,7 +28557,7 @@
             </a:pPr>
             <a:r>
               <a:rPr lang="en-US" altLang="tr-TR" sz="2400" dirty="0"/>
-              <a:t>Receiver provides operations that lets command restore the state.           </a:t>
+              <a:t>Receiver has operations that lets command restore the state.           </a:t>
             </a:r>
             <a:r>
               <a:rPr lang="en-US" altLang="tr-TR" sz="2000" dirty="0"/>
@@ -28022,7 +28660,7 @@
         <p:spPr>
           <a:xfrm>
             <a:off x="355600" y="1298345"/>
-            <a:ext cx="8229600" cy="4532109"/>
+            <a:ext cx="8955548" cy="4532109"/>
           </a:xfrm>
         </p:spPr>
         <p:txBody>
@@ -28089,7 +28727,7 @@
                 <a:latin typeface="Source Sans Pro" panose="020B0503030403020204" pitchFamily="34" charset="0"/>
                 <a:ea typeface="Source Sans Pro" panose="020B0503030403020204" pitchFamily="34" charset="0"/>
               </a:rPr>
-              <a:t>  </a:t>
+              <a:t>        </a:t>
             </a:r>
             <a:r>
               <a:rPr lang="en-US" sz="2000" dirty="0" err="1">
@@ -28103,7 +28741,7 @@
                 <a:latin typeface="Source Sans Pro" panose="020B0503030403020204" pitchFamily="34" charset="0"/>
                 <a:ea typeface="Source Sans Pro" panose="020B0503030403020204" pitchFamily="34" charset="0"/>
               </a:rPr>
-              <a:t>(Unit* unit, int x, int y): receiver(unit),</a:t>
+              <a:t>(Unit* unit, int x, int y)</a:t>
             </a:r>
           </a:p>
           <a:p>
@@ -28115,36 +28753,47 @@
                 <a:latin typeface="Source Sans Pro" panose="020B0503030403020204" pitchFamily="34" charset="0"/>
                 <a:ea typeface="Source Sans Pro" panose="020B0503030403020204" pitchFamily="34" charset="0"/>
               </a:rPr>
-              <a:t>    </a:t>
-            </a:r>
-            <a:r>
-              <a:rPr lang="en-US" sz="2000" dirty="0" err="1">
+              <a:t>                           : </a:t>
+            </a:r>
+            <a:r>
+              <a:rPr lang="en-US" sz="1800" dirty="0">
+                <a:latin typeface="Source Sans Pro" panose="020B0503030403020204" pitchFamily="34" charset="0"/>
+                <a:ea typeface="Source Sans Pro" panose="020B0503030403020204" pitchFamily="34" charset="0"/>
+              </a:rPr>
+              <a:t>receiver(unit),  </a:t>
+            </a:r>
+            <a:r>
+              <a:rPr lang="en-US" sz="1800" dirty="0" err="1">
                 <a:latin typeface="Source Sans Pro" panose="020B0503030403020204" pitchFamily="34" charset="0"/>
                 <a:ea typeface="Source Sans Pro" panose="020B0503030403020204" pitchFamily="34" charset="0"/>
               </a:rPr>
               <a:t>xBefore</a:t>
             </a:r>
             <a:r>
-              <a:rPr lang="en-US" sz="2000" dirty="0">
-                <a:latin typeface="Source Sans Pro" panose="020B0503030403020204" pitchFamily="34" charset="0"/>
-                <a:ea typeface="Source Sans Pro" panose="020B0503030403020204" pitchFamily="34" charset="0"/>
-              </a:rPr>
-              <a:t>_(0),    </a:t>
-            </a:r>
-            <a:r>
-              <a:rPr lang="en-US" sz="2000" dirty="0" err="1">
+              <a:rPr lang="en-US" sz="1800" dirty="0">
+                <a:latin typeface="Source Sans Pro" panose="020B0503030403020204" pitchFamily="34" charset="0"/>
+                <a:ea typeface="Source Sans Pro" panose="020B0503030403020204" pitchFamily="34" charset="0"/>
+              </a:rPr>
+              <a:t>_(0),  </a:t>
+            </a:r>
+            <a:r>
+              <a:rPr lang="en-US" sz="1800" dirty="0" err="1">
                 <a:latin typeface="Source Sans Pro" panose="020B0503030403020204" pitchFamily="34" charset="0"/>
                 <a:ea typeface="Source Sans Pro" panose="020B0503030403020204" pitchFamily="34" charset="0"/>
               </a:rPr>
               <a:t>yBefore</a:t>
             </a:r>
             <a:r>
-              <a:rPr lang="en-US" sz="2000" dirty="0">
+              <a:rPr lang="en-US" sz="1800" dirty="0">
                 <a:latin typeface="Source Sans Pro" panose="020B0503030403020204" pitchFamily="34" charset="0"/>
                 <a:ea typeface="Source Sans Pro" panose="020B0503030403020204" pitchFamily="34" charset="0"/>
               </a:rPr>
               <a:t>_(0),    x_(x),    y_(y)  {}</a:t>
             </a:r>
+            <a:endParaRPr lang="en-US" sz="2000" dirty="0">
+              <a:latin typeface="Source Sans Pro" panose="020B0503030403020204" pitchFamily="34" charset="0"/>
+              <a:ea typeface="Source Sans Pro" panose="020B0503030403020204" pitchFamily="34" charset="0"/>
+            </a:endParaRPr>
           </a:p>
           <a:p>
             <a:pPr marL="0" indent="0">
@@ -28158,7 +28807,7 @@
                 <a:latin typeface="Source Sans Pro" panose="020B0503030403020204" pitchFamily="34" charset="0"/>
                 <a:ea typeface="Source Sans Pro" panose="020B0503030403020204" pitchFamily="34" charset="0"/>
               </a:rPr>
-              <a:t>  </a:t>
+              <a:t>        </a:t>
             </a:r>
             <a:r>
               <a:rPr lang="en-US" sz="2000" dirty="0">
@@ -28203,7 +28852,7 @@
                 <a:latin typeface="Source Sans Pro" panose="020B0503030403020204" pitchFamily="34" charset="0"/>
                 <a:ea typeface="Source Sans Pro" panose="020B0503030403020204" pitchFamily="34" charset="0"/>
               </a:rPr>
-              <a:t>    // to remember the unit's position before the move</a:t>
+              <a:t>              // to remember the unit's position before the move</a:t>
             </a:r>
           </a:p>
           <a:p>
@@ -28218,12 +28867,14 @@
                 <a:latin typeface="Source Sans Pro" panose="020B0503030403020204" pitchFamily="34" charset="0"/>
                 <a:ea typeface="Source Sans Pro" panose="020B0503030403020204" pitchFamily="34" charset="0"/>
               </a:rPr>
-              <a:t>    </a:t>
+              <a:t>              </a:t>
             </a:r>
             <a:r>
               <a:rPr lang="en-US" sz="2000" dirty="0" err="1">
                 <a:solidFill>
-                  <a:srgbClr val="0070C0"/>
+                  <a:schemeClr val="accent5">
+                    <a:lumMod val="50000"/>
+                  </a:schemeClr>
                 </a:solidFill>
                 <a:latin typeface="Source Sans Pro" panose="020B0503030403020204" pitchFamily="34" charset="0"/>
                 <a:ea typeface="Source Sans Pro" panose="020B0503030403020204" pitchFamily="34" charset="0"/>
@@ -28233,7 +28884,9 @@
             <a:r>
               <a:rPr lang="en-US" sz="2000" dirty="0">
                 <a:solidFill>
-                  <a:srgbClr val="0070C0"/>
+                  <a:schemeClr val="accent5">
+                    <a:lumMod val="50000"/>
+                  </a:schemeClr>
                 </a:solidFill>
                 <a:latin typeface="Source Sans Pro" panose="020B0503030403020204" pitchFamily="34" charset="0"/>
                 <a:ea typeface="Source Sans Pro" panose="020B0503030403020204" pitchFamily="34" charset="0"/>
@@ -28248,17 +28901,21 @@
             <a:r>
               <a:rPr lang="en-US" sz="2000" dirty="0">
                 <a:solidFill>
-                  <a:srgbClr val="0070C0"/>
-                </a:solidFill>
-                <a:latin typeface="Source Sans Pro" panose="020B0503030403020204" pitchFamily="34" charset="0"/>
-                <a:ea typeface="Source Sans Pro" panose="020B0503030403020204" pitchFamily="34" charset="0"/>
-              </a:rPr>
-              <a:t>    </a:t>
+                  <a:schemeClr val="accent5">
+                    <a:lumMod val="50000"/>
+                  </a:schemeClr>
+                </a:solidFill>
+                <a:latin typeface="Source Sans Pro" panose="020B0503030403020204" pitchFamily="34" charset="0"/>
+                <a:ea typeface="Source Sans Pro" panose="020B0503030403020204" pitchFamily="34" charset="0"/>
+              </a:rPr>
+              <a:t>              </a:t>
             </a:r>
             <a:r>
               <a:rPr lang="en-US" sz="2000" dirty="0" err="1">
                 <a:solidFill>
-                  <a:srgbClr val="0070C0"/>
+                  <a:schemeClr val="accent5">
+                    <a:lumMod val="50000"/>
+                  </a:schemeClr>
                 </a:solidFill>
                 <a:latin typeface="Source Sans Pro" panose="020B0503030403020204" pitchFamily="34" charset="0"/>
                 <a:ea typeface="Source Sans Pro" panose="020B0503030403020204" pitchFamily="34" charset="0"/>
@@ -28268,7 +28925,9 @@
             <a:r>
               <a:rPr lang="en-US" sz="2000" dirty="0">
                 <a:solidFill>
-                  <a:srgbClr val="0070C0"/>
+                  <a:schemeClr val="accent5">
+                    <a:lumMod val="50000"/>
+                  </a:schemeClr>
                 </a:solidFill>
                 <a:latin typeface="Source Sans Pro" panose="020B0503030403020204" pitchFamily="34" charset="0"/>
                 <a:ea typeface="Source Sans Pro" panose="020B0503030403020204" pitchFamily="34" charset="0"/>
@@ -28288,7 +28947,7 @@
                 <a:latin typeface="Source Sans Pro" panose="020B0503030403020204" pitchFamily="34" charset="0"/>
                 <a:ea typeface="Source Sans Pro" panose="020B0503030403020204" pitchFamily="34" charset="0"/>
               </a:rPr>
-              <a:t>   </a:t>
+              <a:t>             </a:t>
             </a:r>
             <a:r>
               <a:rPr lang="en-US" sz="2000" dirty="0">
@@ -28313,12 +28972,26 @@
                 <a:latin typeface="Source Sans Pro" panose="020B0503030403020204" pitchFamily="34" charset="0"/>
                 <a:ea typeface="Source Sans Pro" panose="020B0503030403020204" pitchFamily="34" charset="0"/>
               </a:rPr>
-              <a:t>    receiver-&gt;</a:t>
+              <a:t>           </a:t>
+            </a:r>
+            <a:r>
+              <a:rPr lang="en-US" sz="2000" dirty="0">
+                <a:solidFill>
+                  <a:schemeClr val="accent5">
+                    <a:lumMod val="50000"/>
+                  </a:schemeClr>
+                </a:solidFill>
+                <a:latin typeface="Source Sans Pro" panose="020B0503030403020204" pitchFamily="34" charset="0"/>
+                <a:ea typeface="Source Sans Pro" panose="020B0503030403020204" pitchFamily="34" charset="0"/>
+              </a:rPr>
+              <a:t>receiver-&gt;</a:t>
             </a:r>
             <a:r>
               <a:rPr lang="en-US" sz="2000" dirty="0" err="1">
                 <a:solidFill>
-                  <a:srgbClr val="0070C0"/>
+                  <a:schemeClr val="accent5">
+                    <a:lumMod val="50000"/>
+                  </a:schemeClr>
                 </a:solidFill>
                 <a:latin typeface="Source Sans Pro" panose="020B0503030403020204" pitchFamily="34" charset="0"/>
                 <a:ea typeface="Source Sans Pro" panose="020B0503030403020204" pitchFamily="34" charset="0"/>
@@ -28328,7 +29001,9 @@
             <a:r>
               <a:rPr lang="en-US" sz="2000" dirty="0">
                 <a:solidFill>
-                  <a:srgbClr val="0070C0"/>
+                  <a:schemeClr val="accent5">
+                    <a:lumMod val="50000"/>
+                  </a:schemeClr>
                 </a:solidFill>
                 <a:latin typeface="Source Sans Pro" panose="020B0503030403020204" pitchFamily="34" charset="0"/>
                 <a:ea typeface="Source Sans Pro" panose="020B0503030403020204" pitchFamily="34" charset="0"/>
@@ -28348,7 +29023,17 @@
                 <a:latin typeface="Source Sans Pro" panose="020B0503030403020204" pitchFamily="34" charset="0"/>
                 <a:ea typeface="Source Sans Pro" panose="020B0503030403020204" pitchFamily="34" charset="0"/>
               </a:rPr>
-              <a:t>  }</a:t>
+              <a:t>        </a:t>
+            </a:r>
+            <a:r>
+              <a:rPr lang="en-US" sz="2000" dirty="0">
+                <a:solidFill>
+                  <a:schemeClr val="bg2"/>
+                </a:solidFill>
+                <a:latin typeface="Source Sans Pro" panose="020B0503030403020204" pitchFamily="34" charset="0"/>
+                <a:ea typeface="Source Sans Pro" panose="020B0503030403020204" pitchFamily="34" charset="0"/>
+              </a:rPr>
+              <a:t>}</a:t>
             </a:r>
           </a:p>
           <a:p>
@@ -28360,7 +29045,7 @@
                 <a:latin typeface="Source Sans Pro" panose="020B0503030403020204" pitchFamily="34" charset="0"/>
                 <a:ea typeface="Source Sans Pro" panose="020B0503030403020204" pitchFamily="34" charset="0"/>
               </a:rPr>
-              <a:t>  </a:t>
+              <a:t>       </a:t>
             </a:r>
             <a:r>
               <a:rPr lang="en-US" sz="2000" dirty="0">
@@ -28400,67 +29085,101 @@
                 <a:latin typeface="Source Sans Pro" panose="020B0503030403020204" pitchFamily="34" charset="0"/>
                 <a:ea typeface="Source Sans Pro" panose="020B0503030403020204" pitchFamily="34" charset="0"/>
               </a:rPr>
-              <a:t>  receiver-&gt;</a:t>
+              <a:t> </a:t>
+            </a:r>
+            <a:r>
+              <a:rPr lang="en-US" sz="2000" dirty="0">
+                <a:solidFill>
+                  <a:schemeClr val="accent5">
+                    <a:lumMod val="50000"/>
+                  </a:schemeClr>
+                </a:solidFill>
+                <a:latin typeface="Source Sans Pro" panose="020B0503030403020204" pitchFamily="34" charset="0"/>
+                <a:ea typeface="Source Sans Pro" panose="020B0503030403020204" pitchFamily="34" charset="0"/>
+              </a:rPr>
+              <a:t> receiver-&gt;</a:t>
             </a:r>
             <a:r>
               <a:rPr lang="en-US" sz="2000" dirty="0" err="1">
                 <a:solidFill>
+                  <a:schemeClr val="accent5">
+                    <a:lumMod val="50000"/>
+                  </a:schemeClr>
+                </a:solidFill>
+                <a:latin typeface="Source Sans Pro" panose="020B0503030403020204" pitchFamily="34" charset="0"/>
+                <a:ea typeface="Source Sans Pro" panose="020B0503030403020204" pitchFamily="34" charset="0"/>
+              </a:rPr>
+              <a:t>moveTo</a:t>
+            </a:r>
+            <a:r>
+              <a:rPr lang="en-US" sz="2000" dirty="0">
+                <a:solidFill>
+                  <a:schemeClr val="accent5">
+                    <a:lumMod val="50000"/>
+                  </a:schemeClr>
+                </a:solidFill>
+                <a:latin typeface="Source Sans Pro" panose="020B0503030403020204" pitchFamily="34" charset="0"/>
+                <a:ea typeface="Source Sans Pro" panose="020B0503030403020204" pitchFamily="34" charset="0"/>
+              </a:rPr>
+              <a:t>(</a:t>
+            </a:r>
+            <a:r>
+              <a:rPr lang="en-US" sz="2000" dirty="0" err="1">
+                <a:solidFill>
+                  <a:schemeClr val="accent5">
+                    <a:lumMod val="50000"/>
+                  </a:schemeClr>
+                </a:solidFill>
+                <a:latin typeface="Source Sans Pro" panose="020B0503030403020204" pitchFamily="34" charset="0"/>
+                <a:ea typeface="Source Sans Pro" panose="020B0503030403020204" pitchFamily="34" charset="0"/>
+              </a:rPr>
+              <a:t>xBefore</a:t>
+            </a:r>
+            <a:r>
+              <a:rPr lang="en-US" sz="2000" dirty="0">
+                <a:solidFill>
+                  <a:schemeClr val="accent5">
+                    <a:lumMod val="50000"/>
+                  </a:schemeClr>
+                </a:solidFill>
+                <a:latin typeface="Source Sans Pro" panose="020B0503030403020204" pitchFamily="34" charset="0"/>
+                <a:ea typeface="Source Sans Pro" panose="020B0503030403020204" pitchFamily="34" charset="0"/>
+              </a:rPr>
+              <a:t>_, </a:t>
+            </a:r>
+            <a:r>
+              <a:rPr lang="en-US" sz="2000" dirty="0" err="1">
+                <a:solidFill>
+                  <a:schemeClr val="accent5">
+                    <a:lumMod val="50000"/>
+                  </a:schemeClr>
+                </a:solidFill>
+                <a:latin typeface="Source Sans Pro" panose="020B0503030403020204" pitchFamily="34" charset="0"/>
+                <a:ea typeface="Source Sans Pro" panose="020B0503030403020204" pitchFamily="34" charset="0"/>
+              </a:rPr>
+              <a:t>yBefore</a:t>
+            </a:r>
+            <a:r>
+              <a:rPr lang="en-US" sz="2000" dirty="0">
+                <a:solidFill>
+                  <a:schemeClr val="accent5">
+                    <a:lumMod val="50000"/>
+                  </a:schemeClr>
+                </a:solidFill>
+                <a:latin typeface="Source Sans Pro" panose="020B0503030403020204" pitchFamily="34" charset="0"/>
+                <a:ea typeface="Source Sans Pro" panose="020B0503030403020204" pitchFamily="34" charset="0"/>
+              </a:rPr>
+              <a:t>_);</a:t>
+            </a:r>
+            <a:r>
+              <a:rPr lang="en-US" sz="2000" dirty="0">
+                <a:solidFill>
                   <a:srgbClr val="0070C0"/>
                 </a:solidFill>
                 <a:latin typeface="Source Sans Pro" panose="020B0503030403020204" pitchFamily="34" charset="0"/>
                 <a:ea typeface="Source Sans Pro" panose="020B0503030403020204" pitchFamily="34" charset="0"/>
               </a:rPr>
-              <a:t>moveTo</a:t>
-            </a:r>
-            <a:r>
-              <a:rPr lang="en-US" sz="2000" dirty="0">
-                <a:solidFill>
-                  <a:srgbClr val="0070C0"/>
-                </a:solidFill>
-                <a:latin typeface="Source Sans Pro" panose="020B0503030403020204" pitchFamily="34" charset="0"/>
-                <a:ea typeface="Source Sans Pro" panose="020B0503030403020204" pitchFamily="34" charset="0"/>
-              </a:rPr>
-              <a:t>(</a:t>
-            </a:r>
-            <a:r>
-              <a:rPr lang="en-US" sz="2000" dirty="0" err="1">
-                <a:solidFill>
-                  <a:srgbClr val="0070C0"/>
-                </a:solidFill>
-                <a:latin typeface="Source Sans Pro" panose="020B0503030403020204" pitchFamily="34" charset="0"/>
-                <a:ea typeface="Source Sans Pro" panose="020B0503030403020204" pitchFamily="34" charset="0"/>
-              </a:rPr>
-              <a:t>xBefore</a:t>
-            </a:r>
-            <a:r>
-              <a:rPr lang="en-US" sz="2000" dirty="0">
-                <a:solidFill>
-                  <a:srgbClr val="0070C0"/>
-                </a:solidFill>
-                <a:latin typeface="Source Sans Pro" panose="020B0503030403020204" pitchFamily="34" charset="0"/>
-                <a:ea typeface="Source Sans Pro" panose="020B0503030403020204" pitchFamily="34" charset="0"/>
-              </a:rPr>
-              <a:t>_, </a:t>
-            </a:r>
-            <a:r>
-              <a:rPr lang="en-US" sz="2000" dirty="0" err="1">
-                <a:solidFill>
-                  <a:srgbClr val="0070C0"/>
-                </a:solidFill>
-                <a:latin typeface="Source Sans Pro" panose="020B0503030403020204" pitchFamily="34" charset="0"/>
-                <a:ea typeface="Source Sans Pro" panose="020B0503030403020204" pitchFamily="34" charset="0"/>
-              </a:rPr>
-              <a:t>yBefore</a:t>
-            </a:r>
-            <a:r>
-              <a:rPr lang="en-US" sz="2000" dirty="0">
-                <a:solidFill>
-                  <a:srgbClr val="0070C0"/>
-                </a:solidFill>
-                <a:latin typeface="Source Sans Pro" panose="020B0503030403020204" pitchFamily="34" charset="0"/>
-                <a:ea typeface="Source Sans Pro" panose="020B0503030403020204" pitchFamily="34" charset="0"/>
-              </a:rPr>
-              <a:t>_);   </a:t>
+              <a:t>   </a:t>
             </a:r>
             <a:r>
               <a:rPr lang="en-US" sz="2000" dirty="0">
@@ -28986,7 +29705,7 @@
             </a:pPr>
             <a:r>
               <a:rPr lang="en-US" altLang="tr-TR" dirty="0"/>
-              <a:t>Undoable command list</a:t>
+              <a:t>Undoable command list(?)</a:t>
             </a:r>
           </a:p>
           <a:p>
@@ -29001,7 +29720,7 @@
             </a:r>
             <a:r>
               <a:rPr lang="en-US" altLang="tr-TR" dirty="0"/>
-              <a:t> command list</a:t>
+              <a:t> command list(?)</a:t>
             </a:r>
           </a:p>
         </p:txBody>
@@ -29098,7 +29817,14 @@
             <a:pPr lvl="1"/>
             <a:r>
               <a:rPr lang="en-US" altLang="tr-TR" dirty="0"/>
-              <a:t>Command</a:t>
+              <a:t>Command  -- Today</a:t>
+            </a:r>
+          </a:p>
+          <a:p>
+            <a:pPr lvl="1"/>
+            <a:r>
+              <a:rPr lang="en-US" altLang="tr-TR" dirty="0"/>
+              <a:t>Chain of responsibility</a:t>
             </a:r>
           </a:p>
           <a:p>
@@ -29109,17 +29835,52 @@
             </a:r>
           </a:p>
           <a:p>
-            <a:pPr lvl="1"/>
-            <a:r>
-              <a:rPr lang="en-US" altLang="tr-TR" dirty="0"/>
-              <a:t>Chain of responsibility</a:t>
-            </a:r>
+            <a:pPr marL="457200" lvl="1" indent="0">
+              <a:buNone/>
+            </a:pPr>
+            <a:endParaRPr lang="en-US" altLang="tr-TR" dirty="0"/>
           </a:p>
           <a:p>
             <a:endParaRPr lang="en-US" dirty="0"/>
           </a:p>
         </p:txBody>
       </p:sp>
+      <p:pic>
+        <p:nvPicPr>
+          <p:cNvPr id="5" name="Graphic 4" descr="Checkmark with solid fill">
+            <a:extLst>
+              <a:ext uri="{FF2B5EF4-FFF2-40B4-BE49-F238E27FC236}">
+                <a16:creationId xmlns:a16="http://schemas.microsoft.com/office/drawing/2014/main" id="{2FC7A8C6-28BF-D117-4134-A859FA6BB02C}"/>
+              </a:ext>
+            </a:extLst>
+          </p:cNvPr>
+          <p:cNvPicPr>
+            <a:picLocks noChangeAspect="1"/>
+          </p:cNvPicPr>
+          <p:nvPr/>
+        </p:nvPicPr>
+        <p:blipFill>
+          <a:blip r:embed="rId2">
+            <a:extLst>
+              <a:ext uri="{96DAC541-7B7A-43D3-8B79-37D633B846F1}">
+                <asvg:svgBlip xmlns:asvg="http://schemas.microsoft.com/office/drawing/2016/SVG/main" r:embed="rId3"/>
+              </a:ext>
+            </a:extLst>
+          </a:blip>
+          <a:stretch>
+            <a:fillRect/>
+          </a:stretch>
+        </p:blipFill>
+        <p:spPr>
+          <a:xfrm>
+            <a:off x="3003754" y="2261419"/>
+            <a:ext cx="700548" cy="700548"/>
+          </a:xfrm>
+          <a:prstGeom prst="rect">
+            <a:avLst/>
+          </a:prstGeom>
+        </p:spPr>
+      </p:pic>
     </p:spTree>
     <p:extLst>
       <p:ext uri="{BB962C8B-B14F-4D97-AF65-F5344CB8AC3E}">
@@ -32331,7 +33092,7 @@
 </file>
 
 <file path=ppt/slides/slide37.xml><?xml version="1.0" encoding="utf-8"?>
-<p:sld xmlns:a="http://schemas.openxmlformats.org/drawingml/2006/main" xmlns:r="http://schemas.openxmlformats.org/officeDocument/2006/relationships" xmlns:p="http://schemas.openxmlformats.org/presentationml/2006/main" show="0">
+<p:sld xmlns:a="http://schemas.openxmlformats.org/drawingml/2006/main" xmlns:r="http://schemas.openxmlformats.org/officeDocument/2006/relationships" xmlns:p="http://schemas.openxmlformats.org/presentationml/2006/main">
   <p:cSld>
     <p:spTree>
       <p:nvGrpSpPr>
@@ -36684,7 +37445,7 @@
 </file>
 
 <file path=ppt/slides/slide48.xml><?xml version="1.0" encoding="utf-8"?>
-<p:sld xmlns:a="http://schemas.openxmlformats.org/drawingml/2006/main" xmlns:r="http://schemas.openxmlformats.org/officeDocument/2006/relationships" xmlns:p="http://schemas.openxmlformats.org/presentationml/2006/main" show="0">
+<p:sld xmlns:a="http://schemas.openxmlformats.org/drawingml/2006/main" xmlns:r="http://schemas.openxmlformats.org/officeDocument/2006/relationships" xmlns:p="http://schemas.openxmlformats.org/presentationml/2006/main">
   <p:cSld>
     <p:spTree>
       <p:nvGrpSpPr>
@@ -41934,6 +42695,121 @@
           </a:p>
         </p:txBody>
       </p:sp>
+      <p:sp>
+        <p:nvSpPr>
+          <p:cNvPr id="3" name="Action Button: Go Forward or Next 2">
+            <a:hlinkClick r:id="rId3" action="ppaction://hlinksldjump" highlightClick="1"/>
+            <a:extLst>
+              <a:ext uri="{FF2B5EF4-FFF2-40B4-BE49-F238E27FC236}">
+                <a16:creationId xmlns:a16="http://schemas.microsoft.com/office/drawing/2014/main" id="{3063A3C1-AE1F-070D-6629-834A5148F75C}"/>
+              </a:ext>
+            </a:extLst>
+          </p:cNvPr>
+          <p:cNvSpPr/>
+          <p:nvPr/>
+        </p:nvSpPr>
+        <p:spPr bwMode="auto">
+          <a:xfrm>
+            <a:off x="8249265" y="294968"/>
+            <a:ext cx="437535" cy="245806"/>
+          </a:xfrm>
+          <a:prstGeom prst="actionButtonForwardNext">
+            <a:avLst/>
+          </a:prstGeom>
+          <a:solidFill>
+            <a:schemeClr val="accent1"/>
+          </a:solidFill>
+          <a:ln w="9525" cap="flat" cmpd="sng" algn="ctr">
+            <a:solidFill>
+              <a:schemeClr val="tx1"/>
+            </a:solidFill>
+            <a:prstDash val="solid"/>
+            <a:round/>
+            <a:headEnd type="none" w="med" len="med"/>
+            <a:tailEnd type="triangle" w="med" len="med"/>
+          </a:ln>
+          <a:effectLst/>
+        </p:spPr>
+        <p:txBody>
+          <a:bodyPr vert="horz" wrap="square" lIns="91440" tIns="45720" rIns="91440" bIns="45720" numCol="1" rtlCol="0" anchor="t" anchorCtr="0" compatLnSpc="1">
+            <a:prstTxWarp prst="textNoShape">
+              <a:avLst/>
+            </a:prstTxWarp>
+          </a:bodyPr>
+          <a:lstStyle/>
+          <a:p>
+            <a:pPr marL="0" marR="0" indent="0" algn="l" defTabSz="914400" rtl="0" eaLnBrk="0" fontAlgn="base" latinLnBrk="0" hangingPunct="0">
+              <a:lnSpc>
+                <a:spcPct val="100000"/>
+              </a:lnSpc>
+              <a:spcBef>
+                <a:spcPct val="0"/>
+              </a:spcBef>
+              <a:spcAft>
+                <a:spcPct val="0"/>
+              </a:spcAft>
+              <a:buClrTx/>
+              <a:buSzTx/>
+              <a:buFontTx/>
+              <a:buNone/>
+              <a:tabLst/>
+            </a:pPr>
+            <a:endParaRPr kumimoji="0" lang="en-US" sz="1800" b="0" i="0" u="none" strike="noStrike" cap="none" normalizeH="0" baseline="0">
+              <a:ln>
+                <a:noFill/>
+              </a:ln>
+              <a:solidFill>
+                <a:schemeClr val="tx1"/>
+              </a:solidFill>
+              <a:effectLst/>
+              <a:latin typeface="Arial" charset="0"/>
+            </a:endParaRPr>
+          </a:p>
+        </p:txBody>
+      </p:sp>
+      <p:sp>
+        <p:nvSpPr>
+          <p:cNvPr id="4" name="TextBox 3">
+            <a:extLst>
+              <a:ext uri="{FF2B5EF4-FFF2-40B4-BE49-F238E27FC236}">
+                <a16:creationId xmlns:a16="http://schemas.microsoft.com/office/drawing/2014/main" id="{DB3D7EC6-B117-68EE-32BE-036AA971B62C}"/>
+              </a:ext>
+            </a:extLst>
+          </p:cNvPr>
+          <p:cNvSpPr txBox="1"/>
+          <p:nvPr/>
+        </p:nvSpPr>
+        <p:spPr>
+          <a:xfrm>
+            <a:off x="629265" y="6086168"/>
+            <a:ext cx="6109365" cy="369332"/>
+          </a:xfrm>
+          <a:prstGeom prst="rect">
+            <a:avLst/>
+          </a:prstGeom>
+          <a:noFill/>
+        </p:spPr>
+        <p:txBody>
+          <a:bodyPr wrap="none" rtlCol="0">
+            <a:spAutoFit/>
+          </a:bodyPr>
+          <a:lstStyle/>
+          <a:p>
+            <a:r>
+              <a:rPr lang="en-US" dirty="0"/>
+              <a:t>The Caretaker holds the Memento, but </a:t>
+            </a:r>
+            <a:r>
+              <a:rPr lang="en-US" i="1" dirty="0"/>
+              <a:t>cannot</a:t>
+            </a:r>
+            <a:r>
+              <a:rPr lang="en-US" dirty="0"/>
+              <a:t> look inside.</a:t>
+            </a:r>
+          </a:p>
+        </p:txBody>
+      </p:sp>
     </p:spTree>
   </p:cSld>
   <p:clrMapOvr>
@@ -46526,7 +47402,7 @@
             <a:pPr lvl="1"/>
             <a:r>
               <a:rPr lang="en-US" altLang="tr-TR" dirty="0"/>
-              <a:t>Originator sets it state back</a:t>
+              <a:t>Originator sets it state back  </a:t>
             </a:r>
           </a:p>
           <a:p>
@@ -46633,65 +47509,71 @@
           <a:lstStyle/>
           <a:p>
             <a:r>
-              <a:rPr lang="en-US" altLang="tr-TR" dirty="0"/>
+              <a:rPr lang="en-US" altLang="tr-TR" sz="2800" dirty="0"/>
               <a:t>Memento has two interfaces. </a:t>
             </a:r>
-            <a:endParaRPr lang="en-GB" altLang="tr-TR" dirty="0"/>
+            <a:endParaRPr lang="en-GB" altLang="tr-TR" sz="2800" dirty="0"/>
           </a:p>
           <a:p>
             <a:pPr lvl="1"/>
             <a:r>
-              <a:rPr lang="en-GB" altLang="tr-TR" dirty="0"/>
+              <a:rPr lang="en-GB" altLang="tr-TR" sz="2400" dirty="0"/>
               <a:t>Wide interface for originator</a:t>
             </a:r>
           </a:p>
           <a:p>
             <a:pPr lvl="2"/>
             <a:r>
-              <a:rPr lang="en-GB" altLang="tr-TR" dirty="0"/>
+              <a:rPr lang="en-GB" altLang="tr-TR" sz="2000" dirty="0"/>
               <a:t>Getter methods or access to fields </a:t>
             </a:r>
           </a:p>
           <a:p>
             <a:pPr lvl="1"/>
             <a:r>
-              <a:rPr lang="en-GB" altLang="tr-TR" dirty="0"/>
+              <a:rPr lang="en-GB" altLang="tr-TR" sz="2400" dirty="0"/>
               <a:t>Narrow interface for everyone else</a:t>
             </a:r>
           </a:p>
           <a:p>
             <a:pPr lvl="2"/>
             <a:r>
-              <a:rPr lang="en-US" altLang="tr-TR" dirty="0"/>
+              <a:rPr lang="en-US" altLang="tr-TR" sz="2000" dirty="0"/>
               <a:t>Private Getter methods and fields</a:t>
             </a:r>
           </a:p>
           <a:p>
             <a:r>
-              <a:rPr lang="en-US" altLang="tr-TR" dirty="0"/>
+              <a:rPr lang="en-US" altLang="tr-TR" sz="2800" dirty="0"/>
               <a:t>C++ friends keyword makes it easy</a:t>
             </a:r>
           </a:p>
           <a:p>
             <a:pPr lvl="1"/>
             <a:r>
-              <a:rPr lang="en-US" altLang="tr-TR" dirty="0"/>
+              <a:rPr lang="en-US" altLang="tr-TR" sz="2400" dirty="0"/>
               <a:t>Caretaker sees the memento interface that expose no information</a:t>
             </a:r>
           </a:p>
           <a:p>
             <a:pPr lvl="1"/>
             <a:r>
-              <a:rPr lang="en-US" altLang="tr-TR" dirty="0"/>
+              <a:rPr lang="en-US" altLang="tr-TR" sz="2400" dirty="0"/>
               <a:t>Originator is a “friend” of memento</a:t>
             </a:r>
           </a:p>
           <a:p>
             <a:r>
-              <a:rPr lang="en-US" altLang="tr-TR" dirty="0"/>
+              <a:rPr lang="en-US" altLang="tr-TR" sz="2800" dirty="0"/>
               <a:t>In Java, a little complicated…</a:t>
             </a:r>
-            <a:endParaRPr lang="en-GB" altLang="tr-TR" dirty="0"/>
+          </a:p>
+          <a:p>
+            <a:r>
+              <a:rPr lang="en-US" sz="2800" dirty="0"/>
+              <a:t>BAD: public methods and 'hoping' no one misuses the memento.</a:t>
+            </a:r>
+            <a:endParaRPr lang="en-GB" altLang="tr-TR" sz="2800" dirty="0"/>
           </a:p>
         </p:txBody>
       </p:sp>
@@ -47180,7 +48062,7 @@
             <a:r>
               <a:rPr lang="tr-TR" altLang="tr-TR" sz="2200" dirty="0" err="1">
                 <a:solidFill>
-                  <a:srgbClr val="0070C0"/>
+                  <a:schemeClr val="bg2"/>
                 </a:solidFill>
                 <a:latin typeface="Source Sans Pro" panose="020B0503030403020204" pitchFamily="34" charset="0"/>
                 <a:ea typeface="Source Sans Pro" panose="020B0503030403020204" pitchFamily="34" charset="0"/>
@@ -47190,7 +48072,7 @@
             <a:r>
               <a:rPr lang="tr-TR" altLang="tr-TR" sz="2200" dirty="0">
                 <a:solidFill>
-                  <a:srgbClr val="0070C0"/>
+                  <a:schemeClr val="bg2"/>
                 </a:solidFill>
                 <a:latin typeface="Source Sans Pro" panose="020B0503030403020204" pitchFamily="34" charset="0"/>
                 <a:ea typeface="Source Sans Pro" panose="020B0503030403020204" pitchFamily="34" charset="0"/>
@@ -47200,7 +48082,7 @@
             <a:r>
               <a:rPr lang="tr-TR" altLang="tr-TR" sz="2200" dirty="0" err="1">
                 <a:solidFill>
-                  <a:srgbClr val="0070C0"/>
+                  <a:schemeClr val="bg2"/>
                 </a:solidFill>
                 <a:latin typeface="Source Sans Pro" panose="020B0503030403020204" pitchFamily="34" charset="0"/>
                 <a:ea typeface="Source Sans Pro" panose="020B0503030403020204" pitchFamily="34" charset="0"/>
@@ -47210,7 +48092,7 @@
             <a:r>
               <a:rPr lang="tr-TR" altLang="tr-TR" sz="2200" dirty="0">
                 <a:solidFill>
-                  <a:srgbClr val="0070C0"/>
+                  <a:schemeClr val="bg2"/>
                 </a:solidFill>
                 <a:latin typeface="Source Sans Pro" panose="020B0503030403020204" pitchFamily="34" charset="0"/>
                 <a:ea typeface="Source Sans Pro" panose="020B0503030403020204" pitchFamily="34" charset="0"/>
@@ -47220,7 +48102,7 @@
             <a:r>
               <a:rPr lang="tr-TR" altLang="tr-TR" sz="2200" dirty="0" err="1">
                 <a:solidFill>
-                  <a:srgbClr val="0070C0"/>
+                  <a:schemeClr val="bg2"/>
                 </a:solidFill>
                 <a:latin typeface="Source Sans Pro" panose="020B0503030403020204" pitchFamily="34" charset="0"/>
                 <a:ea typeface="Source Sans Pro" panose="020B0503030403020204" pitchFamily="34" charset="0"/>
@@ -47230,7 +48112,7 @@
             <a:r>
               <a:rPr lang="tr-TR" altLang="tr-TR" sz="2200" dirty="0">
                 <a:solidFill>
-                  <a:srgbClr val="0070C0"/>
+                  <a:schemeClr val="bg2"/>
                 </a:solidFill>
                 <a:latin typeface="Source Sans Pro" panose="020B0503030403020204" pitchFamily="34" charset="0"/>
                 <a:ea typeface="Source Sans Pro" panose="020B0503030403020204" pitchFamily="34" charset="0"/>
@@ -47240,7 +48122,7 @@
             <a:r>
               <a:rPr lang="tr-TR" altLang="tr-TR" sz="2200" dirty="0" err="1">
                 <a:solidFill>
-                  <a:srgbClr val="0070C0"/>
+                  <a:schemeClr val="bg2"/>
                 </a:solidFill>
                 <a:latin typeface="Source Sans Pro" panose="020B0503030403020204" pitchFamily="34" charset="0"/>
                 <a:ea typeface="Source Sans Pro" panose="020B0503030403020204" pitchFamily="34" charset="0"/>
@@ -47250,7 +48132,7 @@
             <a:r>
               <a:rPr lang="tr-TR" altLang="tr-TR" sz="2200" dirty="0">
                 <a:solidFill>
-                  <a:srgbClr val="0070C0"/>
+                  <a:schemeClr val="bg2"/>
                 </a:solidFill>
                 <a:latin typeface="Source Sans Pro" panose="020B0503030403020204" pitchFamily="34" charset="0"/>
                 <a:ea typeface="Source Sans Pro" panose="020B0503030403020204" pitchFamily="34" charset="0"/>
@@ -47260,7 +48142,7 @@
             <a:r>
               <a:rPr lang="tr-TR" altLang="tr-TR" sz="2200" dirty="0" err="1">
                 <a:solidFill>
-                  <a:srgbClr val="0070C0"/>
+                  <a:schemeClr val="bg2"/>
                 </a:solidFill>
                 <a:latin typeface="Source Sans Pro" panose="020B0503030403020204" pitchFamily="34" charset="0"/>
                 <a:ea typeface="Source Sans Pro" panose="020B0503030403020204" pitchFamily="34" charset="0"/>
@@ -47270,7 +48152,7 @@
             <a:r>
               <a:rPr lang="tr-TR" altLang="tr-TR" sz="2200" dirty="0">
                 <a:solidFill>
-                  <a:srgbClr val="0070C0"/>
+                  <a:schemeClr val="bg2"/>
                 </a:solidFill>
                 <a:latin typeface="Source Sans Pro" panose="020B0503030403020204" pitchFamily="34" charset="0"/>
                 <a:ea typeface="Source Sans Pro" panose="020B0503030403020204" pitchFamily="34" charset="0"/>
@@ -47280,7 +48162,7 @@
             <a:r>
               <a:rPr lang="tr-TR" altLang="tr-TR" sz="2200" dirty="0" err="1">
                 <a:solidFill>
-                  <a:srgbClr val="0070C0"/>
+                  <a:schemeClr val="bg2"/>
                 </a:solidFill>
                 <a:latin typeface="Source Sans Pro" panose="020B0503030403020204" pitchFamily="34" charset="0"/>
                 <a:ea typeface="Source Sans Pro" panose="020B0503030403020204" pitchFamily="34" charset="0"/>
@@ -47289,7 +48171,7 @@
             </a:r>
             <a:endParaRPr lang="tr-TR" altLang="tr-TR" sz="2200" dirty="0">
               <a:solidFill>
-                <a:srgbClr val="0070C0"/>
+                <a:schemeClr val="bg2"/>
               </a:solidFill>
               <a:latin typeface="Source Sans Pro" panose="020B0503030403020204" pitchFamily="34" charset="0"/>
               <a:ea typeface="Source Sans Pro" panose="020B0503030403020204" pitchFamily="34" charset="0"/>
@@ -47301,6 +48183,9 @@
             </a:pPr>
             <a:r>
               <a:rPr lang="tr-TR" altLang="tr-TR" sz="2200" dirty="0">
+                <a:solidFill>
+                  <a:schemeClr val="bg2"/>
+                </a:solidFill>
                 <a:latin typeface="Source Sans Pro" panose="020B0503030403020204" pitchFamily="34" charset="0"/>
                 <a:ea typeface="Source Sans Pro" panose="020B0503030403020204" pitchFamily="34" charset="0"/>
               </a:rPr>
@@ -47309,7 +48194,7 @@
             <a:r>
               <a:rPr lang="tr-TR" altLang="tr-TR" sz="2200" b="1" dirty="0" err="1">
                 <a:solidFill>
-                  <a:srgbClr val="0070C0"/>
+                  <a:schemeClr val="bg2"/>
                 </a:solidFill>
                 <a:latin typeface="Source Sans Pro" panose="020B0503030403020204" pitchFamily="34" charset="0"/>
                 <a:ea typeface="Source Sans Pro" panose="020B0503030403020204" pitchFamily="34" charset="0"/>
@@ -47319,7 +48204,7 @@
             <a:r>
               <a:rPr lang="tr-TR" altLang="tr-TR" sz="2200" dirty="0">
                 <a:solidFill>
-                  <a:srgbClr val="0070C0"/>
+                  <a:schemeClr val="bg2"/>
                 </a:solidFill>
                 <a:latin typeface="Source Sans Pro" panose="020B0503030403020204" pitchFamily="34" charset="0"/>
                 <a:ea typeface="Source Sans Pro" panose="020B0503030403020204" pitchFamily="34" charset="0"/>
@@ -47329,7 +48214,7 @@
             <a:r>
               <a:rPr lang="tr-TR" altLang="tr-TR" sz="2200" dirty="0" err="1">
                 <a:solidFill>
-                  <a:srgbClr val="0070C0"/>
+                  <a:schemeClr val="bg2"/>
                 </a:solidFill>
                 <a:latin typeface="Source Sans Pro" panose="020B0503030403020204" pitchFamily="34" charset="0"/>
                 <a:ea typeface="Source Sans Pro" panose="020B0503030403020204" pitchFamily="34" charset="0"/>
@@ -47339,7 +48224,7 @@
             <a:r>
               <a:rPr lang="tr-TR" altLang="tr-TR" sz="2200" dirty="0">
                 <a:solidFill>
-                  <a:srgbClr val="0070C0"/>
+                  <a:schemeClr val="bg2"/>
                 </a:solidFill>
                 <a:latin typeface="Source Sans Pro" panose="020B0503030403020204" pitchFamily="34" charset="0"/>
                 <a:ea typeface="Source Sans Pro" panose="020B0503030403020204" pitchFamily="34" charset="0"/>
@@ -47349,7 +48234,7 @@
             <a:r>
               <a:rPr lang="tr-TR" altLang="tr-TR" sz="2200" dirty="0" err="1">
                 <a:solidFill>
-                  <a:srgbClr val="0070C0"/>
+                  <a:schemeClr val="bg2"/>
                 </a:solidFill>
                 <a:latin typeface="Source Sans Pro" panose="020B0503030403020204" pitchFamily="34" charset="0"/>
                 <a:ea typeface="Source Sans Pro" panose="020B0503030403020204" pitchFamily="34" charset="0"/>
@@ -47359,7 +48244,7 @@
             <a:r>
               <a:rPr lang="tr-TR" altLang="tr-TR" sz="2200" dirty="0">
                 <a:solidFill>
-                  <a:srgbClr val="0070C0"/>
+                  <a:schemeClr val="bg2"/>
                 </a:solidFill>
                 <a:latin typeface="Source Sans Pro" panose="020B0503030403020204" pitchFamily="34" charset="0"/>
                 <a:ea typeface="Source Sans Pro" panose="020B0503030403020204" pitchFamily="34" charset="0"/>
@@ -47373,24 +48258,20 @@
             </a:pPr>
             <a:r>
               <a:rPr lang="tr-TR" altLang="tr-TR" sz="2200" dirty="0">
+                <a:solidFill>
+                  <a:schemeClr val="bg2"/>
+                </a:solidFill>
                 <a:latin typeface="Source Sans Pro" panose="020B0503030403020204" pitchFamily="34" charset="0"/>
                 <a:ea typeface="Source Sans Pro" panose="020B0503030403020204" pitchFamily="34" charset="0"/>
               </a:rPr>
               <a:t>        </a:t>
             </a:r>
             <a:r>
-              <a:rPr lang="tr-TR" altLang="tr-TR" sz="2200" dirty="0" err="1">
-                <a:latin typeface="Source Sans Pro" panose="020B0503030403020204" pitchFamily="34" charset="0"/>
-                <a:ea typeface="Source Sans Pro" panose="020B0503030403020204" pitchFamily="34" charset="0"/>
-              </a:rPr>
-              <a:t>Memento</a:t>
-            </a:r>
-            <a:r>
-              <a:rPr lang="tr-TR" altLang="tr-TR" sz="2200" dirty="0">
-                <a:latin typeface="Source Sans Pro" panose="020B0503030403020204" pitchFamily="34" charset="0"/>
-                <a:ea typeface="Source Sans Pro" panose="020B0503030403020204" pitchFamily="34" charset="0"/>
-              </a:rPr>
-              <a:t>();</a:t>
+              <a:rPr lang="tr-TR" altLang="tr-TR" sz="2200" b="1" dirty="0">
+                <a:latin typeface="Source Sans Pro" panose="020B0503030403020204" pitchFamily="34" charset="0"/>
+                <a:ea typeface="Source Sans Pro" panose="020B0503030403020204" pitchFamily="34" charset="0"/>
+              </a:rPr>
+              <a:t>Memento();</a:t>
             </a:r>
             <a:r>
               <a:rPr lang="en-US" altLang="tr-TR" sz="2200" dirty="0">
@@ -47706,7 +48587,7 @@
         </p:nvSpPr>
         <p:spPr>
           <a:xfrm>
-            <a:off x="568037" y="1289109"/>
+            <a:off x="457200" y="1239947"/>
             <a:ext cx="8229600" cy="4532109"/>
           </a:xfrm>
         </p:spPr>
@@ -47734,7 +48615,7 @@
                 <a:latin typeface="Source Sans Pro" panose="020B0503030403020204" pitchFamily="34" charset="0"/>
                 <a:ea typeface="Source Sans Pro" panose="020B0503030403020204" pitchFamily="34" charset="0"/>
               </a:rPr>
-              <a:t>    public:</a:t>
+              <a:t>    public:      // ...</a:t>
             </a:r>
           </a:p>
           <a:p>
@@ -47746,10 +48627,17 @@
                 <a:latin typeface="Source Sans Pro" panose="020B0503030403020204" pitchFamily="34" charset="0"/>
                 <a:ea typeface="Source Sans Pro" panose="020B0503030403020204" pitchFamily="34" charset="0"/>
               </a:rPr>
-              <a:t>        Memento* </a:t>
-            </a:r>
-            <a:r>
-              <a:rPr lang="en-US" sz="2000" dirty="0" err="1">
+              <a:t>        Memento</a:t>
+            </a:r>
+            <a:r>
+              <a:rPr lang="en-US" sz="2000" b="1" dirty="0">
+                <a:latin typeface="Source Sans Pro" panose="020B0503030403020204" pitchFamily="34" charset="0"/>
+                <a:ea typeface="Source Sans Pro" panose="020B0503030403020204" pitchFamily="34" charset="0"/>
+              </a:rPr>
+              <a:t>* </a:t>
+            </a:r>
+            <a:r>
+              <a:rPr lang="en-US" sz="2000" b="1" dirty="0" err="1">
                 <a:latin typeface="Source Sans Pro" panose="020B0503030403020204" pitchFamily="34" charset="0"/>
                 <a:ea typeface="Source Sans Pro" panose="020B0503030403020204" pitchFamily="34" charset="0"/>
               </a:rPr>
@@ -47772,7 +48660,21 @@
                 <a:latin typeface="Source Sans Pro" panose="020B0503030403020204" pitchFamily="34" charset="0"/>
                 <a:ea typeface="Source Sans Pro" panose="020B0503030403020204" pitchFamily="34" charset="0"/>
               </a:rPr>
-              <a:t>        void restore(const Memento*);</a:t>
+              <a:t>        void </a:t>
+            </a:r>
+            <a:r>
+              <a:rPr lang="en-US" sz="2000" b="1" dirty="0">
+                <a:latin typeface="Source Sans Pro" panose="020B0503030403020204" pitchFamily="34" charset="0"/>
+                <a:ea typeface="Source Sans Pro" panose="020B0503030403020204" pitchFamily="34" charset="0"/>
+              </a:rPr>
+              <a:t>restore</a:t>
+            </a:r>
+            <a:r>
+              <a:rPr lang="en-US" sz="2000" dirty="0">
+                <a:latin typeface="Source Sans Pro" panose="020B0503030403020204" pitchFamily="34" charset="0"/>
+                <a:ea typeface="Source Sans Pro" panose="020B0503030403020204" pitchFamily="34" charset="0"/>
+              </a:rPr>
+              <a:t>(const Memento*);</a:t>
             </a:r>
           </a:p>
           <a:p>
@@ -47784,7 +48686,7 @@
                 <a:latin typeface="Source Sans Pro" panose="020B0503030403020204" pitchFamily="34" charset="0"/>
                 <a:ea typeface="Source Sans Pro" panose="020B0503030403020204" pitchFamily="34" charset="0"/>
               </a:rPr>
-              <a:t>        // ...other methods for its job</a:t>
+              <a:t>    private:</a:t>
             </a:r>
           </a:p>
           <a:p>
@@ -47796,7 +48698,7 @@
                 <a:latin typeface="Source Sans Pro" panose="020B0503030403020204" pitchFamily="34" charset="0"/>
                 <a:ea typeface="Source Sans Pro" panose="020B0503030403020204" pitchFamily="34" charset="0"/>
               </a:rPr>
-              <a:t>    private:</a:t>
+              <a:t>        Field* f1;   ….   // internal data structures</a:t>
             </a:r>
           </a:p>
           <a:p>
@@ -47808,7 +48710,7 @@
                 <a:latin typeface="Source Sans Pro" panose="020B0503030403020204" pitchFamily="34" charset="0"/>
                 <a:ea typeface="Source Sans Pro" panose="020B0503030403020204" pitchFamily="34" charset="0"/>
               </a:rPr>
-              <a:t>        Field* f1;   ….   // internal data structures</a:t>
+              <a:t>    };</a:t>
             </a:r>
           </a:p>
           <a:p>
@@ -47820,7 +48722,21 @@
                 <a:latin typeface="Source Sans Pro" panose="020B0503030403020204" pitchFamily="34" charset="0"/>
                 <a:ea typeface="Source Sans Pro" panose="020B0503030403020204" pitchFamily="34" charset="0"/>
               </a:rPr>
-              <a:t>    };</a:t>
+              <a:t>  Memento* Originator::</a:t>
+            </a:r>
+            <a:r>
+              <a:rPr lang="en-US" sz="2000" b="1" dirty="0" err="1">
+                <a:latin typeface="Source Sans Pro" panose="020B0503030403020204" pitchFamily="34" charset="0"/>
+                <a:ea typeface="Source Sans Pro" panose="020B0503030403020204" pitchFamily="34" charset="0"/>
+              </a:rPr>
+              <a:t>createMemento</a:t>
+            </a:r>
+            <a:r>
+              <a:rPr lang="en-US" sz="2000" dirty="0">
+                <a:latin typeface="Source Sans Pro" panose="020B0503030403020204" pitchFamily="34" charset="0"/>
+                <a:ea typeface="Source Sans Pro" panose="020B0503030403020204" pitchFamily="34" charset="0"/>
+              </a:rPr>
+              <a:t>(){</a:t>
             </a:r>
           </a:p>
           <a:p>
@@ -47832,7 +48748,21 @@
                 <a:latin typeface="Source Sans Pro" panose="020B0503030403020204" pitchFamily="34" charset="0"/>
                 <a:ea typeface="Source Sans Pro" panose="020B0503030403020204" pitchFamily="34" charset="0"/>
               </a:rPr>
-              <a:t>void Originator::restore(const Memento* m){         if(m==0) return;</a:t>
+              <a:t>      </a:t>
+            </a:r>
+            <a:r>
+              <a:rPr lang="en-US" sz="2000" b="1" dirty="0">
+                <a:latin typeface="Source Sans Pro" panose="020B0503030403020204" pitchFamily="34" charset="0"/>
+                <a:ea typeface="Source Sans Pro" panose="020B0503030403020204" pitchFamily="34" charset="0"/>
+              </a:rPr>
+              <a:t>Memento* m=new Memento()</a:t>
+            </a:r>
+            <a:r>
+              <a:rPr lang="en-US" sz="2000" dirty="0">
+                <a:latin typeface="Source Sans Pro" panose="020B0503030403020204" pitchFamily="34" charset="0"/>
+                <a:ea typeface="Source Sans Pro" panose="020B0503030403020204" pitchFamily="34" charset="0"/>
+              </a:rPr>
+              <a:t>;    //private, but I am a friend</a:t>
             </a:r>
           </a:p>
           <a:p>
@@ -47844,7 +48774,7 @@
                 <a:latin typeface="Source Sans Pro" panose="020B0503030403020204" pitchFamily="34" charset="0"/>
                 <a:ea typeface="Source Sans Pro" panose="020B0503030403020204" pitchFamily="34" charset="0"/>
               </a:rPr>
-              <a:t>       this-&gt;f1=m-&gt;f1; /*some mechanism to restore the internal values*/</a:t>
+              <a:t>      m-&gt;f1=this-&gt;f1; /*save necessary info to remember*/</a:t>
             </a:r>
           </a:p>
           <a:p>
@@ -47856,7 +48786,21 @@
                 <a:latin typeface="Source Sans Pro" panose="020B0503030403020204" pitchFamily="34" charset="0"/>
                 <a:ea typeface="Source Sans Pro" panose="020B0503030403020204" pitchFamily="34" charset="0"/>
               </a:rPr>
-              <a:t>}</a:t>
+              <a:t>      </a:t>
+            </a:r>
+            <a:r>
+              <a:rPr lang="en-US" sz="2000" b="1" dirty="0">
+                <a:latin typeface="Source Sans Pro" panose="020B0503030403020204" pitchFamily="34" charset="0"/>
+                <a:ea typeface="Source Sans Pro" panose="020B0503030403020204" pitchFamily="34" charset="0"/>
+              </a:rPr>
+              <a:t>return m;</a:t>
+            </a:r>
+            <a:r>
+              <a:rPr lang="en-US" sz="2000" dirty="0">
+                <a:latin typeface="Source Sans Pro" panose="020B0503030403020204" pitchFamily="34" charset="0"/>
+                <a:ea typeface="Source Sans Pro" panose="020B0503030403020204" pitchFamily="34" charset="0"/>
+              </a:rPr>
+              <a:t> }</a:t>
             </a:r>
           </a:p>
           <a:p>
@@ -47868,21 +48812,21 @@
                 <a:latin typeface="Source Sans Pro" panose="020B0503030403020204" pitchFamily="34" charset="0"/>
                 <a:ea typeface="Source Sans Pro" panose="020B0503030403020204" pitchFamily="34" charset="0"/>
               </a:rPr>
-              <a:t>Memento* Originator::</a:t>
-            </a:r>
-            <a:r>
-              <a:rPr lang="en-US" sz="2000" dirty="0" err="1">
-                <a:latin typeface="Source Sans Pro" panose="020B0503030403020204" pitchFamily="34" charset="0"/>
-                <a:ea typeface="Source Sans Pro" panose="020B0503030403020204" pitchFamily="34" charset="0"/>
-              </a:rPr>
-              <a:t>createMemento</a:t>
+              <a:t>void Originator::</a:t>
+            </a:r>
+            <a:r>
+              <a:rPr lang="en-US" sz="2000" b="1" dirty="0">
+                <a:latin typeface="Source Sans Pro" panose="020B0503030403020204" pitchFamily="34" charset="0"/>
+                <a:ea typeface="Source Sans Pro" panose="020B0503030403020204" pitchFamily="34" charset="0"/>
+              </a:rPr>
+              <a:t>restore</a:t>
             </a:r>
             <a:r>
               <a:rPr lang="en-US" sz="2000" dirty="0">
                 <a:latin typeface="Source Sans Pro" panose="020B0503030403020204" pitchFamily="34" charset="0"/>
                 <a:ea typeface="Source Sans Pro" panose="020B0503030403020204" pitchFamily="34" charset="0"/>
               </a:rPr>
-              <a:t>(){</a:t>
+              <a:t>(const Memento* m){         if(m==0) return;</a:t>
             </a:r>
           </a:p>
           <a:p>
@@ -47894,7 +48838,7 @@
                 <a:latin typeface="Source Sans Pro" panose="020B0503030403020204" pitchFamily="34" charset="0"/>
                 <a:ea typeface="Source Sans Pro" panose="020B0503030403020204" pitchFamily="34" charset="0"/>
               </a:rPr>
-              <a:t>      Memento* m=new Memento(); //private, but I am a friend</a:t>
+              <a:t>       this-&gt;f1=m-&gt;f1;         //some mechanism to restore the internal values</a:t>
             </a:r>
           </a:p>
           <a:p>
@@ -47906,19 +48850,7 @@
                 <a:latin typeface="Source Sans Pro" panose="020B0503030403020204" pitchFamily="34" charset="0"/>
                 <a:ea typeface="Source Sans Pro" panose="020B0503030403020204" pitchFamily="34" charset="0"/>
               </a:rPr>
-              <a:t>      m-&gt;f1=this-&gt;f1; /*save necessary info to remember*/</a:t>
-            </a:r>
-          </a:p>
-          <a:p>
-            <a:pPr marL="0" indent="0">
-              <a:buNone/>
-            </a:pPr>
-            <a:r>
-              <a:rPr lang="en-US" sz="2000" dirty="0">
-                <a:latin typeface="Source Sans Pro" panose="020B0503030403020204" pitchFamily="34" charset="0"/>
-                <a:ea typeface="Source Sans Pro" panose="020B0503030403020204" pitchFamily="34" charset="0"/>
-              </a:rPr>
-              <a:t>      return m; }</a:t>
+              <a:t>  }</a:t>
             </a:r>
           </a:p>
           <a:p>
@@ -48052,7 +48984,7 @@
             <a:r>
               <a:rPr lang="en-US" altLang="tr-TR" sz="2000" b="1" dirty="0">
                 <a:solidFill>
-                  <a:srgbClr val="0070C0"/>
+                  <a:schemeClr val="bg2"/>
                 </a:solidFill>
                 <a:latin typeface="Source Sans Pro" panose="020B0503030403020204" pitchFamily="34" charset="0"/>
                 <a:ea typeface="Source Sans Pro" panose="020B0503030403020204" pitchFamily="34" charset="0"/>
@@ -48125,7 +49057,17 @@
                 <a:latin typeface="Source Sans Pro" panose="020B0503030403020204" pitchFamily="34" charset="0"/>
                 <a:ea typeface="Source Sans Pro" panose="020B0503030403020204" pitchFamily="34" charset="0"/>
               </a:rPr>
-              <a:t> //narrow interface is the Object interface</a:t>
+              <a:t> </a:t>
+            </a:r>
+            <a:r>
+              <a:rPr lang="en-US" altLang="tr-TR" sz="2000" dirty="0">
+                <a:solidFill>
+                  <a:schemeClr val="bg2"/>
+                </a:solidFill>
+                <a:latin typeface="Source Sans Pro" panose="020B0503030403020204" pitchFamily="34" charset="0"/>
+                <a:ea typeface="Source Sans Pro" panose="020B0503030403020204" pitchFamily="34" charset="0"/>
+              </a:rPr>
+              <a:t>//narrow interface is the Object interface</a:t>
             </a:r>
           </a:p>
           <a:p>
@@ -48135,10 +49077,20 @@
             </a:pPr>
             <a:r>
               <a:rPr lang="en-US" altLang="tr-TR" sz="2000" dirty="0">
-                <a:latin typeface="Source Sans Pro" panose="020B0503030403020204" pitchFamily="34" charset="0"/>
-                <a:ea typeface="Source Sans Pro" panose="020B0503030403020204" pitchFamily="34" charset="0"/>
-              </a:rPr>
-              <a:t>      public void restore(Object o){</a:t>
+                <a:solidFill>
+                  <a:schemeClr val="bg2"/>
+                </a:solidFill>
+                <a:latin typeface="Source Sans Pro" panose="020B0503030403020204" pitchFamily="34" charset="0"/>
+                <a:ea typeface="Source Sans Pro" panose="020B0503030403020204" pitchFamily="34" charset="0"/>
+              </a:rPr>
+              <a:t>     </a:t>
+            </a:r>
+            <a:r>
+              <a:rPr lang="en-US" altLang="tr-TR" sz="2000" dirty="0">
+                <a:latin typeface="Source Sans Pro" panose="020B0503030403020204" pitchFamily="34" charset="0"/>
+                <a:ea typeface="Source Sans Pro" panose="020B0503030403020204" pitchFamily="34" charset="0"/>
+              </a:rPr>
+              <a:t> public void restore(Object o){</a:t>
             </a:r>
           </a:p>
           <a:p>
@@ -48210,7 +49162,7 @@
             <a:r>
               <a:rPr lang="en-US" altLang="tr-TR" sz="2000" b="1" dirty="0">
                 <a:solidFill>
-                  <a:srgbClr val="0070C0"/>
+                  <a:schemeClr val="bg2"/>
                 </a:solidFill>
                 <a:latin typeface="Source Sans Pro" panose="020B0503030403020204" pitchFamily="34" charset="0"/>
                 <a:ea typeface="Source Sans Pro" panose="020B0503030403020204" pitchFamily="34" charset="0"/>
@@ -48220,29 +49172,12 @@
             <a:r>
               <a:rPr lang="en-US" altLang="tr-TR" sz="2000" dirty="0">
                 <a:solidFill>
-                  <a:srgbClr val="0070C0"/>
-                </a:solidFill>
-                <a:latin typeface="Source Sans Pro" panose="020B0503030403020204" pitchFamily="34" charset="0"/>
-                <a:ea typeface="Source Sans Pro" panose="020B0503030403020204" pitchFamily="34" charset="0"/>
-              </a:rPr>
-              <a:t>;  </a:t>
-            </a:r>
-            <a:r>
-              <a:rPr lang="en-US" altLang="tr-TR" sz="2000" dirty="0">
-                <a:latin typeface="Source Sans Pro" panose="020B0503030403020204" pitchFamily="34" charset="0"/>
-                <a:ea typeface="Source Sans Pro" panose="020B0503030403020204" pitchFamily="34" charset="0"/>
-              </a:rPr>
-              <a:t>//</a:t>
-            </a:r>
-            <a:r>
-              <a:rPr lang="en-US" altLang="tr-TR" sz="2000" dirty="0">
-                <a:solidFill>
-                  <a:srgbClr val="0070C0"/>
-                </a:solidFill>
-                <a:latin typeface="Source Sans Pro" panose="020B0503030403020204" pitchFamily="34" charset="0"/>
-                <a:ea typeface="Source Sans Pro" panose="020B0503030403020204" pitchFamily="34" charset="0"/>
-              </a:rPr>
-              <a:t>now it has wide interface</a:t>
+                  <a:schemeClr val="bg2"/>
+                </a:solidFill>
+                <a:latin typeface="Source Sans Pro" panose="020B0503030403020204" pitchFamily="34" charset="0"/>
+                <a:ea typeface="Source Sans Pro" panose="020B0503030403020204" pitchFamily="34" charset="0"/>
+              </a:rPr>
+              <a:t>;  //now it has wide interface</a:t>
             </a:r>
           </a:p>
           <a:p>
@@ -48252,10 +49187,20 @@
             </a:pPr>
             <a:r>
               <a:rPr lang="en-US" altLang="tr-TR" sz="2000" dirty="0">
-                <a:latin typeface="Source Sans Pro" panose="020B0503030403020204" pitchFamily="34" charset="0"/>
-                <a:ea typeface="Source Sans Pro" panose="020B0503030403020204" pitchFamily="34" charset="0"/>
-              </a:rPr>
-              <a:t>                f1=m.mf1; ….//restore the fields using memento’s fields</a:t>
+                <a:solidFill>
+                  <a:schemeClr val="bg2"/>
+                </a:solidFill>
+                <a:latin typeface="Source Sans Pro" panose="020B0503030403020204" pitchFamily="34" charset="0"/>
+                <a:ea typeface="Source Sans Pro" panose="020B0503030403020204" pitchFamily="34" charset="0"/>
+              </a:rPr>
+              <a:t>                </a:t>
+            </a:r>
+            <a:r>
+              <a:rPr lang="en-US" altLang="tr-TR" sz="2000" dirty="0">
+                <a:latin typeface="Source Sans Pro" panose="020B0503030403020204" pitchFamily="34" charset="0"/>
+                <a:ea typeface="Source Sans Pro" panose="020B0503030403020204" pitchFamily="34" charset="0"/>
+              </a:rPr>
+              <a:t>f1=m.mf1; ….//restore the fields using memento’s fields</a:t>
             </a:r>
           </a:p>
           <a:p>
@@ -48284,14 +49229,24 @@
               <a:t>     </a:t>
             </a:r>
             <a:r>
+              <a:rPr lang="en-US" altLang="tr-TR" sz="2000" b="1" dirty="0">
+                <a:solidFill>
+                  <a:schemeClr val="bg2"/>
+                </a:solidFill>
+                <a:latin typeface="Source Sans Pro" panose="020B0503030403020204" pitchFamily="34" charset="0"/>
+                <a:ea typeface="Source Sans Pro" panose="020B0503030403020204" pitchFamily="34" charset="0"/>
+              </a:rPr>
+              <a:t>private</a:t>
+            </a:r>
+            <a:r>
               <a:rPr lang="en-US" altLang="tr-TR" sz="2000" dirty="0">
                 <a:solidFill>
-                  <a:srgbClr val="0070C0"/>
-                </a:solidFill>
-                <a:latin typeface="Source Sans Pro" panose="020B0503030403020204" pitchFamily="34" charset="0"/>
-                <a:ea typeface="Source Sans Pro" panose="020B0503030403020204" pitchFamily="34" charset="0"/>
-              </a:rPr>
-              <a:t>private  class Memento</a:t>
+                  <a:schemeClr val="bg2"/>
+                </a:solidFill>
+                <a:latin typeface="Source Sans Pro" panose="020B0503030403020204" pitchFamily="34" charset="0"/>
+                <a:ea typeface="Source Sans Pro" panose="020B0503030403020204" pitchFamily="34" charset="0"/>
+              </a:rPr>
+              <a:t>  class Memento</a:t>
             </a:r>
             <a:r>
               <a:rPr lang="en-US" altLang="tr-TR" sz="2000" dirty="0">
@@ -48663,15 +49618,27 @@
           <a:p>
             <a:pPr lvl="1"/>
             <a:r>
+              <a:rPr lang="en-US" sz="2400" b="1" dirty="0"/>
+              <a:t>Command</a:t>
+            </a:r>
+            <a:r>
               <a:rPr lang="en-US" sz="2400" dirty="0"/>
-              <a:t>Command object itself can be the caretaker</a:t>
+              <a:t> object itself can be the </a:t>
+            </a:r>
+            <a:r>
+              <a:rPr lang="en-US" sz="2400" b="1" dirty="0"/>
+              <a:t>caretaker </a:t>
+            </a:r>
+            <a:r>
+              <a:rPr lang="en-US" sz="2400" dirty="0"/>
+              <a:t>(better)</a:t>
             </a:r>
           </a:p>
           <a:p>
             <a:pPr lvl="1"/>
             <a:r>
               <a:rPr lang="en-US" sz="2400" dirty="0"/>
-              <a:t>Save the command and memento as a pair in the undo/redo history</a:t>
+              <a:t>If not, save the command and memento as a pair in the undo/redo history</a:t>
             </a:r>
           </a:p>
           <a:p>
@@ -48684,7 +49651,7 @@
           <a:p>
             <a:r>
               <a:rPr lang="en-US" sz="2800" dirty="0"/>
-              <a:t>The pattern does not specify how caretaker works other than it should see the narrow interface</a:t>
+              <a:t>The memento pattern does not specify how caretaker works other than it should see the narrow interface</a:t>
             </a:r>
           </a:p>
         </p:txBody>
@@ -48703,6 +49670,521 @@
 </file>
 
 <file path=ppt/slides/slide65.xml><?xml version="1.0" encoding="utf-8"?>
+<p:sld xmlns:a="http://schemas.openxmlformats.org/drawingml/2006/main" xmlns:r="http://schemas.openxmlformats.org/officeDocument/2006/relationships" xmlns:p="http://schemas.openxmlformats.org/presentationml/2006/main">
+  <p:cSld>
+    <p:spTree>
+      <p:nvGrpSpPr>
+        <p:cNvPr id="1" name=""/>
+        <p:cNvGrpSpPr/>
+        <p:nvPr/>
+      </p:nvGrpSpPr>
+      <p:grpSpPr>
+        <a:xfrm>
+          <a:off x="0" y="0"/>
+          <a:ext cx="0" cy="0"/>
+          <a:chOff x="0" y="0"/>
+          <a:chExt cx="0" cy="0"/>
+        </a:xfrm>
+      </p:grpSpPr>
+      <p:sp>
+        <p:nvSpPr>
+          <p:cNvPr id="3" name="Content Placeholder 2">
+            <a:extLst>
+              <a:ext uri="{FF2B5EF4-FFF2-40B4-BE49-F238E27FC236}">
+                <a16:creationId xmlns:a16="http://schemas.microsoft.com/office/drawing/2014/main" id="{59AB02CE-AE8B-00F0-4E8A-E4E7D44DC1B6}"/>
+              </a:ext>
+            </a:extLst>
+          </p:cNvPr>
+          <p:cNvSpPr>
+            <a:spLocks noGrp="1"/>
+          </p:cNvSpPr>
+          <p:nvPr>
+            <p:ph idx="4294967295"/>
+          </p:nvPr>
+        </p:nvSpPr>
+        <p:spPr>
+          <a:xfrm>
+            <a:off x="550606" y="686159"/>
+            <a:ext cx="8593394" cy="4532312"/>
+          </a:xfrm>
+        </p:spPr>
+        <p:txBody>
+          <a:bodyPr/>
+          <a:lstStyle/>
+          <a:p>
+            <a:pPr marL="0" indent="0">
+              <a:buNone/>
+            </a:pPr>
+            <a:r>
+              <a:rPr lang="en-US" sz="2400" dirty="0"/>
+              <a:t>class </a:t>
+            </a:r>
+            <a:r>
+              <a:rPr lang="en-US" sz="2400" dirty="0" err="1"/>
+              <a:t>TypingCommand</a:t>
+            </a:r>
+            <a:r>
+              <a:rPr lang="en-US" sz="2400" dirty="0"/>
+              <a:t> implements </a:t>
+            </a:r>
+            <a:r>
+              <a:rPr lang="en-US" sz="2400" i="1" dirty="0"/>
+              <a:t>Command</a:t>
+            </a:r>
+            <a:r>
+              <a:rPr lang="en-US" sz="2400" dirty="0"/>
+              <a:t> { //caretaker </a:t>
+            </a:r>
+          </a:p>
+          <a:p>
+            <a:pPr marL="0" indent="0">
+              <a:buNone/>
+            </a:pPr>
+            <a:r>
+              <a:rPr lang="en-US" sz="2400" dirty="0"/>
+              <a:t>  private </a:t>
+            </a:r>
+            <a:r>
+              <a:rPr lang="en-US" sz="2400" dirty="0" err="1"/>
+              <a:t>TextEditor</a:t>
+            </a:r>
+            <a:r>
+              <a:rPr lang="en-US" sz="2400" dirty="0"/>
+              <a:t> editor; </a:t>
+            </a:r>
+          </a:p>
+          <a:p>
+            <a:pPr marL="0" indent="0">
+              <a:buNone/>
+            </a:pPr>
+            <a:r>
+              <a:rPr lang="en-US" sz="2400" dirty="0"/>
+              <a:t>  private String </a:t>
+            </a:r>
+            <a:r>
+              <a:rPr lang="en-US" sz="2400" dirty="0" err="1"/>
+              <a:t>textToAdd</a:t>
+            </a:r>
+            <a:r>
+              <a:rPr lang="en-US" sz="2400" dirty="0"/>
+              <a:t>; </a:t>
+            </a:r>
+          </a:p>
+          <a:p>
+            <a:pPr marL="0" indent="0">
+              <a:buNone/>
+            </a:pPr>
+            <a:r>
+              <a:rPr lang="en-US" sz="2400" dirty="0"/>
+              <a:t>  private </a:t>
+            </a:r>
+            <a:r>
+              <a:rPr lang="en-US" sz="2400" dirty="0">
+                <a:solidFill>
+                  <a:schemeClr val="bg2"/>
+                </a:solidFill>
+              </a:rPr>
+              <a:t>Memento</a:t>
+            </a:r>
+            <a:r>
+              <a:rPr lang="en-US" sz="2400" dirty="0"/>
+              <a:t> </a:t>
+            </a:r>
+            <a:r>
+              <a:rPr lang="en-US" sz="2400" dirty="0">
+                <a:solidFill>
+                  <a:schemeClr val="bg2"/>
+                </a:solidFill>
+              </a:rPr>
+              <a:t>backup</a:t>
+            </a:r>
+            <a:r>
+              <a:rPr lang="en-US" sz="2400" dirty="0"/>
+              <a:t>; // Magic token! </a:t>
+            </a:r>
+          </a:p>
+          <a:p>
+            <a:pPr marL="0" indent="0">
+              <a:buNone/>
+            </a:pPr>
+            <a:r>
+              <a:rPr lang="en-US" sz="2400" dirty="0"/>
+              <a:t>  public </a:t>
+            </a:r>
+            <a:r>
+              <a:rPr lang="en-US" sz="2400" dirty="0" err="1"/>
+              <a:t>TypingCommand</a:t>
+            </a:r>
+            <a:r>
+              <a:rPr lang="en-US" sz="2400" dirty="0"/>
+              <a:t>(</a:t>
+            </a:r>
+            <a:r>
+              <a:rPr lang="en-US" sz="2400" dirty="0" err="1"/>
+              <a:t>TextEditor</a:t>
+            </a:r>
+            <a:r>
+              <a:rPr lang="en-US" sz="2400" dirty="0"/>
+              <a:t> editor, String text) {          </a:t>
+            </a:r>
+          </a:p>
+          <a:p>
+            <a:pPr marL="0" indent="0">
+              <a:buNone/>
+            </a:pPr>
+            <a:r>
+              <a:rPr lang="en-US" sz="2400" dirty="0"/>
+              <a:t>        </a:t>
+            </a:r>
+            <a:r>
+              <a:rPr lang="en-US" sz="2400" dirty="0" err="1"/>
+              <a:t>this.editor</a:t>
+            </a:r>
+            <a:r>
+              <a:rPr lang="en-US" sz="2400" dirty="0"/>
+              <a:t> = editor; </a:t>
+            </a:r>
+            <a:r>
+              <a:rPr lang="en-US" sz="2400" dirty="0" err="1"/>
+              <a:t>this.textToAdd</a:t>
+            </a:r>
+            <a:r>
+              <a:rPr lang="en-US" sz="2400" dirty="0"/>
+              <a:t> = text; }</a:t>
+            </a:r>
+          </a:p>
+          <a:p>
+            <a:pPr marL="0" indent="0">
+              <a:buNone/>
+            </a:pPr>
+            <a:r>
+              <a:rPr lang="en-US" sz="2400" dirty="0"/>
+              <a:t>  public void </a:t>
+            </a:r>
+            <a:r>
+              <a:rPr lang="en-US" sz="2400" b="1" dirty="0"/>
+              <a:t>execute</a:t>
+            </a:r>
+            <a:r>
+              <a:rPr lang="en-US" sz="2400" dirty="0"/>
+              <a:t>() { </a:t>
+            </a:r>
+          </a:p>
+          <a:p>
+            <a:pPr marL="0" indent="0">
+              <a:buNone/>
+            </a:pPr>
+            <a:r>
+              <a:rPr lang="en-US" sz="2400" dirty="0"/>
+              <a:t>     </a:t>
+            </a:r>
+            <a:r>
+              <a:rPr lang="en-US" sz="2400" dirty="0">
+                <a:solidFill>
+                  <a:schemeClr val="bg2"/>
+                </a:solidFill>
+              </a:rPr>
+              <a:t>backup</a:t>
+            </a:r>
+            <a:r>
+              <a:rPr lang="en-US" sz="2400" dirty="0"/>
+              <a:t> = </a:t>
+            </a:r>
+            <a:r>
+              <a:rPr lang="en-US" sz="2400" dirty="0" err="1"/>
+              <a:t>editor.</a:t>
+            </a:r>
+            <a:r>
+              <a:rPr lang="en-US" sz="2400" b="1" dirty="0" err="1"/>
+              <a:t>save</a:t>
+            </a:r>
+            <a:r>
+              <a:rPr lang="en-US" sz="2400" dirty="0"/>
+              <a:t>(); </a:t>
+            </a:r>
+          </a:p>
+          <a:p>
+            <a:pPr marL="0" indent="0">
+              <a:buNone/>
+            </a:pPr>
+            <a:r>
+              <a:rPr lang="en-US" sz="2400" dirty="0"/>
+              <a:t>     </a:t>
+            </a:r>
+            <a:r>
+              <a:rPr lang="en-US" sz="2400" dirty="0" err="1"/>
+              <a:t>editor.addText</a:t>
+            </a:r>
+            <a:r>
+              <a:rPr lang="en-US" sz="2400" dirty="0"/>
+              <a:t>(</a:t>
+            </a:r>
+            <a:r>
+              <a:rPr lang="en-US" sz="2400" dirty="0" err="1"/>
+              <a:t>textToAdd</a:t>
+            </a:r>
+            <a:r>
+              <a:rPr lang="en-US" sz="2400" dirty="0"/>
+              <a:t>); </a:t>
+            </a:r>
+          </a:p>
+          <a:p>
+            <a:pPr marL="0" indent="0">
+              <a:buNone/>
+            </a:pPr>
+            <a:r>
+              <a:rPr lang="en-US" sz="2400" dirty="0"/>
+              <a:t>  } </a:t>
+            </a:r>
+          </a:p>
+          <a:p>
+            <a:pPr marL="0" indent="0">
+              <a:buNone/>
+            </a:pPr>
+            <a:r>
+              <a:rPr lang="en-US" sz="2400" dirty="0"/>
+              <a:t> public void </a:t>
+            </a:r>
+            <a:r>
+              <a:rPr lang="en-US" sz="2400" b="1" dirty="0"/>
+              <a:t>undo</a:t>
+            </a:r>
+            <a:r>
+              <a:rPr lang="en-US" sz="2400" dirty="0"/>
+              <a:t>() {   //restore the originator using memento</a:t>
+            </a:r>
+          </a:p>
+          <a:p>
+            <a:pPr marL="0" indent="0">
+              <a:buNone/>
+            </a:pPr>
+            <a:r>
+              <a:rPr lang="en-US" sz="2400" dirty="0"/>
+              <a:t>     if (backup != null)  </a:t>
+            </a:r>
+            <a:r>
+              <a:rPr lang="en-US" sz="2400" dirty="0" err="1"/>
+              <a:t>editor.</a:t>
+            </a:r>
+            <a:r>
+              <a:rPr lang="en-US" sz="2400" b="1" dirty="0" err="1"/>
+              <a:t>restore</a:t>
+            </a:r>
+            <a:r>
+              <a:rPr lang="en-US" sz="2400" dirty="0"/>
+              <a:t>(</a:t>
+            </a:r>
+            <a:r>
+              <a:rPr lang="en-US" sz="2400" dirty="0">
+                <a:solidFill>
+                  <a:schemeClr val="bg2"/>
+                </a:solidFill>
+              </a:rPr>
+              <a:t>backup</a:t>
+            </a:r>
+            <a:r>
+              <a:rPr lang="en-US" sz="2400" dirty="0"/>
+              <a:t>); }</a:t>
+            </a:r>
+          </a:p>
+          <a:p>
+            <a:pPr marL="0" indent="0">
+              <a:buNone/>
+            </a:pPr>
+            <a:r>
+              <a:rPr lang="en-US" sz="2400" dirty="0"/>
+              <a:t> } </a:t>
+            </a:r>
+          </a:p>
+        </p:txBody>
+      </p:sp>
+      <p:sp>
+        <p:nvSpPr>
+          <p:cNvPr id="4" name="Speech Bubble: Rectangle 3">
+            <a:extLst>
+              <a:ext uri="{FF2B5EF4-FFF2-40B4-BE49-F238E27FC236}">
+                <a16:creationId xmlns:a16="http://schemas.microsoft.com/office/drawing/2014/main" id="{0467AFB2-3039-2362-5237-0FEBE3EDAC4B}"/>
+              </a:ext>
+            </a:extLst>
+          </p:cNvPr>
+          <p:cNvSpPr/>
+          <p:nvPr/>
+        </p:nvSpPr>
+        <p:spPr bwMode="auto">
+          <a:xfrm>
+            <a:off x="5456903" y="1219199"/>
+            <a:ext cx="3048000" cy="707923"/>
+          </a:xfrm>
+          <a:prstGeom prst="wedgeRectCallout">
+            <a:avLst>
+              <a:gd name="adj1" fmla="val -91325"/>
+              <a:gd name="adj2" fmla="val -27369"/>
+            </a:avLst>
+          </a:prstGeom>
+          <a:solidFill>
+            <a:schemeClr val="accent1"/>
+          </a:solidFill>
+          <a:ln w="9525" cap="flat" cmpd="sng" algn="ctr">
+            <a:solidFill>
+              <a:schemeClr val="tx1"/>
+            </a:solidFill>
+            <a:prstDash val="solid"/>
+            <a:round/>
+            <a:headEnd type="none" w="med" len="med"/>
+            <a:tailEnd type="triangle" w="med" len="med"/>
+          </a:ln>
+          <a:effectLst/>
+        </p:spPr>
+        <p:txBody>
+          <a:bodyPr vert="horz" wrap="square" lIns="91440" tIns="45720" rIns="91440" bIns="45720" numCol="1" rtlCol="0" anchor="t" anchorCtr="0" compatLnSpc="1">
+            <a:prstTxWarp prst="textNoShape">
+              <a:avLst/>
+            </a:prstTxWarp>
+          </a:bodyPr>
+          <a:lstStyle/>
+          <a:p>
+            <a:pPr marL="0" marR="0" indent="0" algn="l" defTabSz="914400" rtl="0" eaLnBrk="0" fontAlgn="base" latinLnBrk="0" hangingPunct="0">
+              <a:lnSpc>
+                <a:spcPct val="100000"/>
+              </a:lnSpc>
+              <a:spcBef>
+                <a:spcPct val="0"/>
+              </a:spcBef>
+              <a:spcAft>
+                <a:spcPct val="0"/>
+              </a:spcAft>
+              <a:buClrTx/>
+              <a:buSzTx/>
+              <a:buFontTx/>
+              <a:buNone/>
+              <a:tabLst/>
+            </a:pPr>
+            <a:r>
+              <a:rPr kumimoji="0" lang="en-US" sz="1800" b="0" i="0" u="none" strike="noStrike" cap="none" normalizeH="0" baseline="0" dirty="0">
+                <a:ln>
+                  <a:noFill/>
+                </a:ln>
+                <a:solidFill>
+                  <a:schemeClr val="tx1"/>
+                </a:solidFill>
+                <a:effectLst/>
+                <a:latin typeface="Arial" charset="0"/>
+              </a:rPr>
+              <a:t>Originator of Memento AND</a:t>
+            </a:r>
+          </a:p>
+          <a:p>
+            <a:pPr marL="0" marR="0" indent="0" algn="l" defTabSz="914400" rtl="0" eaLnBrk="0" fontAlgn="base" latinLnBrk="0" hangingPunct="0">
+              <a:lnSpc>
+                <a:spcPct val="100000"/>
+              </a:lnSpc>
+              <a:spcBef>
+                <a:spcPct val="0"/>
+              </a:spcBef>
+              <a:spcAft>
+                <a:spcPct val="0"/>
+              </a:spcAft>
+              <a:buClrTx/>
+              <a:buSzTx/>
+              <a:buFontTx/>
+              <a:buNone/>
+              <a:tabLst/>
+            </a:pPr>
+            <a:r>
+              <a:rPr lang="en-US" dirty="0">
+                <a:latin typeface="Arial" charset="0"/>
+              </a:rPr>
+              <a:t>Receiver of Command</a:t>
+            </a:r>
+            <a:endParaRPr kumimoji="0" lang="en-US" sz="1800" b="0" i="0" u="none" strike="noStrike" cap="none" normalizeH="0" baseline="0" dirty="0">
+              <a:ln>
+                <a:noFill/>
+              </a:ln>
+              <a:solidFill>
+                <a:schemeClr val="tx1"/>
+              </a:solidFill>
+              <a:effectLst/>
+              <a:latin typeface="Arial" charset="0"/>
+            </a:endParaRPr>
+          </a:p>
+        </p:txBody>
+      </p:sp>
+      <p:sp>
+        <p:nvSpPr>
+          <p:cNvPr id="5" name="Speech Bubble: Rectangle 4">
+            <a:extLst>
+              <a:ext uri="{FF2B5EF4-FFF2-40B4-BE49-F238E27FC236}">
+                <a16:creationId xmlns:a16="http://schemas.microsoft.com/office/drawing/2014/main" id="{E4CFF2B2-D858-2C4A-3BC6-980144C1EA27}"/>
+              </a:ext>
+            </a:extLst>
+          </p:cNvPr>
+          <p:cNvSpPr/>
+          <p:nvPr/>
+        </p:nvSpPr>
+        <p:spPr bwMode="auto">
+          <a:xfrm>
+            <a:off x="5943600" y="3721509"/>
+            <a:ext cx="2374490" cy="1017639"/>
+          </a:xfrm>
+          <a:prstGeom prst="wedgeRectCallout">
+            <a:avLst>
+              <a:gd name="adj1" fmla="val -119896"/>
+              <a:gd name="adj2" fmla="val -21572"/>
+            </a:avLst>
+          </a:prstGeom>
+          <a:solidFill>
+            <a:schemeClr val="accent1"/>
+          </a:solidFill>
+          <a:ln w="9525" cap="flat" cmpd="sng" algn="ctr">
+            <a:solidFill>
+              <a:schemeClr val="tx1"/>
+            </a:solidFill>
+            <a:prstDash val="solid"/>
+            <a:round/>
+            <a:headEnd type="none" w="med" len="med"/>
+            <a:tailEnd type="triangle" w="med" len="med"/>
+          </a:ln>
+          <a:effectLst/>
+        </p:spPr>
+        <p:txBody>
+          <a:bodyPr vert="horz" wrap="square" lIns="91440" tIns="45720" rIns="91440" bIns="45720" numCol="1" rtlCol="0" anchor="t" anchorCtr="0" compatLnSpc="1">
+            <a:prstTxWarp prst="textNoShape">
+              <a:avLst/>
+            </a:prstTxWarp>
+          </a:bodyPr>
+          <a:lstStyle/>
+          <a:p>
+            <a:r>
+              <a:rPr lang="en-US" dirty="0"/>
+              <a:t> Originator creates memento. Command is the caretaker of it.</a:t>
+            </a:r>
+            <a:endParaRPr kumimoji="0" lang="en-US" sz="1800" b="0" i="0" u="none" strike="noStrike" cap="none" normalizeH="0" baseline="0" dirty="0">
+              <a:ln>
+                <a:noFill/>
+              </a:ln>
+              <a:solidFill>
+                <a:schemeClr val="tx1"/>
+              </a:solidFill>
+              <a:effectLst/>
+              <a:latin typeface="Arial" charset="0"/>
+            </a:endParaRPr>
+          </a:p>
+        </p:txBody>
+      </p:sp>
+    </p:spTree>
+    <p:extLst>
+      <p:ext uri="{BB962C8B-B14F-4D97-AF65-F5344CB8AC3E}">
+        <p14:creationId xmlns:p14="http://schemas.microsoft.com/office/powerpoint/2010/main" val="4282062592"/>
+      </p:ext>
+    </p:extLst>
+  </p:cSld>
+  <p:clrMapOvr>
+    <a:masterClrMapping/>
+  </p:clrMapOvr>
+</p:sld>
+</file>
+
+<file path=ppt/slides/slide66.xml><?xml version="1.0" encoding="utf-8"?>
 <p:sld xmlns:a="http://schemas.openxmlformats.org/drawingml/2006/main" xmlns:r="http://schemas.openxmlformats.org/officeDocument/2006/relationships" xmlns:p="http://schemas.openxmlformats.org/presentationml/2006/main">
   <p:cSld>
     <p:spTree>
@@ -48805,7 +50287,15 @@
           <a:p>
             <a:r>
               <a:rPr lang="en-US" altLang="tr-TR" dirty="0"/>
-              <a:t>Memento avoid exposing information anyone other than the originator</a:t>
+              <a:t>Memento </a:t>
+            </a:r>
+            <a:r>
+              <a:rPr lang="en-US" altLang="tr-TR" b="1" dirty="0"/>
+              <a:t>avoid exposing</a:t>
+            </a:r>
+            <a:r>
+              <a:rPr lang="en-US" altLang="tr-TR" dirty="0"/>
+              <a:t> information anyone other than the originator</a:t>
             </a:r>
           </a:p>
           <a:p>
@@ -48838,8 +50328,8 @@
 </p:sld>
 </file>
 
-<file path=ppt/slides/slide66.xml><?xml version="1.0" encoding="utf-8"?>
-<p:sld xmlns:a="http://schemas.openxmlformats.org/drawingml/2006/main" xmlns:r="http://schemas.openxmlformats.org/officeDocument/2006/relationships" xmlns:p="http://schemas.openxmlformats.org/presentationml/2006/main" show="0">
+<file path=ppt/slides/slide67.xml><?xml version="1.0" encoding="utf-8"?>
+<p:sld xmlns:a="http://schemas.openxmlformats.org/drawingml/2006/main" xmlns:r="http://schemas.openxmlformats.org/officeDocument/2006/relationships" xmlns:p="http://schemas.openxmlformats.org/presentationml/2006/main">
   <p:cSld>
     <p:spTree>
       <p:nvGrpSpPr>
@@ -48961,8 +50451,8 @@
 </p:sld>
 </file>
 
-<file path=ppt/slides/slide67.xml><?xml version="1.0" encoding="utf-8"?>
-<p:sld xmlns:a="http://schemas.openxmlformats.org/drawingml/2006/main" xmlns:r="http://schemas.openxmlformats.org/officeDocument/2006/relationships" xmlns:p="http://schemas.openxmlformats.org/presentationml/2006/main" show="0">
+<file path=ppt/slides/slide68.xml><?xml version="1.0" encoding="utf-8"?>
+<p:sld xmlns:a="http://schemas.openxmlformats.org/drawingml/2006/main" xmlns:r="http://schemas.openxmlformats.org/officeDocument/2006/relationships" xmlns:p="http://schemas.openxmlformats.org/presentationml/2006/main">
   <p:cSld>
     <p:spTree>
       <p:nvGrpSpPr>
@@ -49099,8 +50589,8 @@
 </p:sld>
 </file>
 
-<file path=ppt/slides/slide68.xml><?xml version="1.0" encoding="utf-8"?>
-<p:sld xmlns:a="http://schemas.openxmlformats.org/drawingml/2006/main" xmlns:r="http://schemas.openxmlformats.org/officeDocument/2006/relationships" xmlns:p="http://schemas.openxmlformats.org/presentationml/2006/main" show="0">
+<file path=ppt/slides/slide69.xml><?xml version="1.0" encoding="utf-8"?>
+<p:sld xmlns:a="http://schemas.openxmlformats.org/drawingml/2006/main" xmlns:r="http://schemas.openxmlformats.org/officeDocument/2006/relationships" xmlns:p="http://schemas.openxmlformats.org/presentationml/2006/main">
   <p:cSld>
     <p:spTree>
       <p:nvGrpSpPr>
@@ -50057,7 +51547,23 @@
             </a:pPr>
             <a:r>
               <a:rPr lang="en-US" altLang="tr-TR" dirty="0"/>
-              <a:t>Encapsulate a request as an object, thereby letting you parameterize clients with different requests, queue or log requests, and support undoable operations</a:t>
+              <a:t>Encapsulate a </a:t>
+            </a:r>
+            <a:r>
+              <a:rPr lang="en-US" altLang="tr-TR" b="1" dirty="0"/>
+              <a:t>request</a:t>
+            </a:r>
+            <a:r>
+              <a:rPr lang="en-US" altLang="tr-TR" dirty="0"/>
+              <a:t> as an </a:t>
+            </a:r>
+            <a:r>
+              <a:rPr lang="en-US" altLang="tr-TR" b="1" dirty="0"/>
+              <a:t>object</a:t>
+            </a:r>
+            <a:r>
+              <a:rPr lang="en-US" altLang="tr-TR" dirty="0"/>
+              <a:t>, thereby letting you parameterize clients with different requests, queue or log requests, and support undoable operations</a:t>
             </a:r>
           </a:p>
           <a:p>
@@ -50075,9 +51581,21 @@
               </a:lnSpc>
             </a:pPr>
             <a:r>
+              <a:rPr lang="en-US" altLang="tr-TR" i="1" dirty="0"/>
+              <a:t>Convert an operation into an object</a:t>
+            </a:r>
+          </a:p>
+          <a:p>
+            <a:pPr lvl="2">
+              <a:lnSpc>
+                <a:spcPct val="110000"/>
+              </a:lnSpc>
+            </a:pPr>
+            <a:r>
               <a:rPr lang="en-US" altLang="tr-TR" dirty="0"/>
-              <a:t>Convert an operation into an object</a:t>
-            </a:r>
+              <a:t>an object can be stored, passed, staged, shared, loaded in a table, ….</a:t>
+            </a:r>
+            <a:endParaRPr lang="en-US" altLang="tr-TR" i="1" dirty="0"/>
           </a:p>
         </p:txBody>
       </p:sp>
